--- a/05-refactoring_custom_resources.pptx
+++ b/05-refactoring_custom_resources.pptx
@@ -306,7 +306,7 @@
               <a:pPr>
                 <a:defRPr/>
               </a:pPr>
-              <a:t>2016-09-19</a:t>
+              <a:t>2016-10-05</a:t>
             </a:fld>
             <a:endParaRPr lang="en-US" dirty="0"/>
           </a:p>
@@ -489,7 +489,7 @@
               <a:pPr>
                 <a:defRPr/>
               </a:pPr>
-              <a:t>2016-09-19</a:t>
+              <a:t>2016-10-05</a:t>
             </a:fld>
             <a:endParaRPr lang="en-US" dirty="0"/>
           </a:p>
@@ -6063,14 +6063,14 @@
           </a:ln>
           <a:extLst>
             <a:ext uri="{909E8E84-426E-40dd-AFC4-6F175D3DCCD1}">
-              <a14:hiddenFill xmlns="" xmlns:a14="http://schemas.microsoft.com/office/drawing/2010/main">
+              <a14:hiddenFill xmlns:a14="http://schemas.microsoft.com/office/drawing/2010/main" xmlns="">
                 <a:solidFill>
                   <a:srgbClr val="FFFFFF"/>
                 </a:solidFill>
               </a14:hiddenFill>
             </a:ext>
             <a:ext uri="{91240B29-F687-4f45-9708-019B960494DF}">
-              <a14:hiddenLine xmlns="" xmlns:a14="http://schemas.microsoft.com/office/drawing/2010/main" w="9525">
+              <a14:hiddenLine xmlns:a14="http://schemas.microsoft.com/office/drawing/2010/main" xmlns="" w="9525">
                 <a:solidFill>
                   <a:srgbClr val="000000"/>
                 </a:solidFill>
@@ -6218,14 +6218,14 @@
           </a:ln>
           <a:extLst>
             <a:ext uri="{909E8E84-426E-40dd-AFC4-6F175D3DCCD1}">
-              <a14:hiddenFill xmlns="" xmlns:a14="http://schemas.microsoft.com/office/drawing/2010/main">
+              <a14:hiddenFill xmlns:a14="http://schemas.microsoft.com/office/drawing/2010/main" xmlns="">
                 <a:solidFill>
                   <a:srgbClr val="FFFFFF"/>
                 </a:solidFill>
               </a14:hiddenFill>
             </a:ext>
             <a:ext uri="{91240B29-F687-4f45-9708-019B960494DF}">
-              <a14:hiddenLine xmlns="" xmlns:a14="http://schemas.microsoft.com/office/drawing/2010/main" w="9525">
+              <a14:hiddenLine xmlns:a14="http://schemas.microsoft.com/office/drawing/2010/main" xmlns="" w="9525">
                 <a:solidFill>
                   <a:srgbClr val="000000"/>
                 </a:solidFill>
@@ -6681,14 +6681,14 @@
           </a:ln>
           <a:extLst>
             <a:ext uri="{909E8E84-426E-40dd-AFC4-6F175D3DCCD1}">
-              <a14:hiddenFill xmlns="" xmlns:a14="http://schemas.microsoft.com/office/drawing/2010/main">
+              <a14:hiddenFill xmlns:a14="http://schemas.microsoft.com/office/drawing/2010/main" xmlns="">
                 <a:solidFill>
                   <a:srgbClr val="FFFFFF"/>
                 </a:solidFill>
               </a14:hiddenFill>
             </a:ext>
             <a:ext uri="{91240B29-F687-4f45-9708-019B960494DF}">
-              <a14:hiddenLine xmlns="" xmlns:a14="http://schemas.microsoft.com/office/drawing/2010/main" w="9525">
+              <a14:hiddenLine xmlns:a14="http://schemas.microsoft.com/office/drawing/2010/main" xmlns="" w="9525">
                 <a:solidFill>
                   <a:srgbClr val="000000"/>
                 </a:solidFill>
@@ -6717,7 +6717,1217 @@
 </file>
 
 <file path=ppt/slideLayouts/slideLayout13.xml><?xml version="1.0" encoding="utf-8"?>
-<p:sldLayout xmlns:a="http://schemas.openxmlformats.org/drawingml/2006/main" xmlns:r="http://schemas.openxmlformats.org/officeDocument/2006/relationships" xmlns:p="http://schemas.openxmlformats.org/presentationml/2006/main" userDrawn="1">
+<p:sldLayout xmlns:a="http://schemas.openxmlformats.org/drawingml/2006/main" xmlns:r="http://schemas.openxmlformats.org/officeDocument/2006/relationships" xmlns:p="http://schemas.openxmlformats.org/presentationml/2006/main" preserve="1" userDrawn="1">
+  <p:cSld name="Motivation">
+    <p:spTree>
+      <p:nvGrpSpPr>
+        <p:cNvPr id="1" name=""/>
+        <p:cNvGrpSpPr/>
+        <p:nvPr/>
+      </p:nvGrpSpPr>
+      <p:grpSpPr>
+        <a:xfrm>
+          <a:off x="0" y="0"/>
+          <a:ext cx="0" cy="0"/>
+          <a:chOff x="0" y="0"/>
+          <a:chExt cx="0" cy="0"/>
+        </a:xfrm>
+      </p:grpSpPr>
+      <p:sp>
+        <p:nvSpPr>
+          <p:cNvPr id="5" name="TextBox 4"/>
+          <p:cNvSpPr txBox="1"/>
+          <p:nvPr/>
+        </p:nvSpPr>
+        <p:spPr bwMode="white">
+          <a:xfrm>
+            <a:off x="136960" y="128323"/>
+            <a:ext cx="13979932" cy="2378219"/>
+          </a:xfrm>
+          <a:prstGeom prst="rect">
+            <a:avLst/>
+          </a:prstGeom>
+          <a:noFill/>
+          <a:ln>
+            <a:noFill/>
+          </a:ln>
+          <a:effectLst/>
+        </p:spPr>
+        <p:txBody>
+          <a:bodyPr lIns="121920" tIns="121920" rIns="121920" bIns="121920" anchor="ctr"/>
+          <a:lstStyle/>
+          <a:p>
+            <a:pPr defTabSz="1219120" fontAlgn="auto">
+              <a:spcBef>
+                <a:spcPts val="0"/>
+              </a:spcBef>
+              <a:spcAft>
+                <a:spcPts val="0"/>
+              </a:spcAft>
+              <a:defRPr/>
+            </a:pPr>
+            <a:r>
+              <a:rPr lang="en-US" sz="16933" dirty="0">
+                <a:ln w="18415" cmpd="sng">
+                  <a:solidFill>
+                    <a:srgbClr val="FFFFFF"/>
+                  </a:solidFill>
+                  <a:prstDash val="solid"/>
+                </a:ln>
+                <a:solidFill>
+                  <a:schemeClr val="bg2">
+                    <a:lumMod val="95000"/>
+                    <a:alpha val="50000"/>
+                  </a:schemeClr>
+                </a:solidFill>
+                <a:latin typeface="+mn-lt"/>
+                <a:ea typeface="+mn-ea"/>
+                <a:cs typeface="+mn-cs"/>
+              </a:rPr>
+              <a:t>MOTIVATION</a:t>
+            </a:r>
+          </a:p>
+        </p:txBody>
+      </p:sp>
+      <p:pic>
+        <p:nvPicPr>
+          <p:cNvPr id="2" name="Picture 1" descr="gift.gif"/>
+          <p:cNvPicPr>
+            <a:picLocks noChangeAspect="1"/>
+          </p:cNvPicPr>
+          <p:nvPr userDrawn="1"/>
+        </p:nvPicPr>
+        <p:blipFill>
+          <a:blip r:embed="rId2">
+            <a:extLst>
+              <a:ext uri="{28A0092B-C50C-407E-A947-70E740481C1C}">
+                <a14:useLocalDpi xmlns:a14="http://schemas.microsoft.com/office/drawing/2010/main" val="0"/>
+              </a:ext>
+            </a:extLst>
+          </a:blip>
+          <a:stretch>
+            <a:fillRect/>
+          </a:stretch>
+        </p:blipFill>
+        <p:spPr>
+          <a:xfrm>
+            <a:off x="13257264" y="215274"/>
+            <a:ext cx="2441471" cy="2407901"/>
+          </a:xfrm>
+          <a:prstGeom prst="rect">
+            <a:avLst/>
+          </a:prstGeom>
+        </p:spPr>
+      </p:pic>
+      <p:sp>
+        <p:nvSpPr>
+          <p:cNvPr id="6" name="Title 1"/>
+          <p:cNvSpPr>
+            <a:spLocks noGrp="1"/>
+          </p:cNvSpPr>
+          <p:nvPr>
+            <p:ph type="ctrTitle" hasCustomPrompt="1"/>
+          </p:nvPr>
+        </p:nvSpPr>
+        <p:spPr bwMode="white">
+          <a:xfrm>
+            <a:off x="1680252" y="2304144"/>
+            <a:ext cx="12310386" cy="852712"/>
+          </a:xfrm>
+        </p:spPr>
+        <p:txBody>
+          <a:bodyPr lIns="91440" tIns="91440" rIns="91440" bIns="91440" anchor="ctr"/>
+          <a:lstStyle>
+            <a:lvl1pPr>
+              <a:lnSpc>
+                <a:spcPct val="90000"/>
+              </a:lnSpc>
+              <a:defRPr sz="6400" b="1" spc="0" baseline="0">
+                <a:solidFill>
+                  <a:schemeClr val="accent1"/>
+                </a:solidFill>
+              </a:defRPr>
+            </a:lvl1pPr>
+          </a:lstStyle>
+          <a:p>
+            <a:r>
+              <a:rPr lang="en-US" dirty="0" smtClean="0"/>
+              <a:t>Motivation</a:t>
+            </a:r>
+            <a:endParaRPr lang="en-US" dirty="0"/>
+          </a:p>
+        </p:txBody>
+      </p:sp>
+      <p:sp>
+        <p:nvSpPr>
+          <p:cNvPr id="14" name="Subtitle 2"/>
+          <p:cNvSpPr>
+            <a:spLocks noGrp="1"/>
+          </p:cNvSpPr>
+          <p:nvPr>
+            <p:ph type="subTitle" idx="1"/>
+          </p:nvPr>
+        </p:nvSpPr>
+        <p:spPr bwMode="white">
+          <a:xfrm>
+            <a:off x="1672167" y="3283868"/>
+            <a:ext cx="12315718" cy="4770049"/>
+          </a:xfrm>
+          <a:prstGeom prst="rect">
+            <a:avLst/>
+          </a:prstGeom>
+        </p:spPr>
+        <p:txBody>
+          <a:bodyPr lIns="91440" tIns="91440" rIns="91440" bIns="91440">
+            <a:noAutofit/>
+          </a:bodyPr>
+          <a:lstStyle>
+            <a:lvl1pPr marL="0" indent="0" algn="l">
+              <a:lnSpc>
+                <a:spcPct val="100000"/>
+              </a:lnSpc>
+              <a:spcBef>
+                <a:spcPts val="0"/>
+              </a:spcBef>
+              <a:buNone/>
+              <a:defRPr sz="2800" baseline="0">
+                <a:solidFill>
+                  <a:schemeClr val="accent3">
+                    <a:lumMod val="50000"/>
+                  </a:schemeClr>
+                </a:solidFill>
+              </a:defRPr>
+            </a:lvl1pPr>
+            <a:lvl2pPr marL="609561" indent="0" algn="ctr">
+              <a:buNone/>
+              <a:defRPr>
+                <a:solidFill>
+                  <a:schemeClr val="tx1">
+                    <a:tint val="75000"/>
+                  </a:schemeClr>
+                </a:solidFill>
+              </a:defRPr>
+            </a:lvl2pPr>
+            <a:lvl3pPr marL="1219120" indent="0" algn="ctr">
+              <a:buNone/>
+              <a:defRPr>
+                <a:solidFill>
+                  <a:schemeClr val="tx1">
+                    <a:tint val="75000"/>
+                  </a:schemeClr>
+                </a:solidFill>
+              </a:defRPr>
+            </a:lvl3pPr>
+            <a:lvl4pPr marL="1828681" indent="0" algn="ctr">
+              <a:buNone/>
+              <a:defRPr>
+                <a:solidFill>
+                  <a:schemeClr val="tx1">
+                    <a:tint val="75000"/>
+                  </a:schemeClr>
+                </a:solidFill>
+              </a:defRPr>
+            </a:lvl4pPr>
+            <a:lvl5pPr marL="2438242" indent="0" algn="ctr">
+              <a:buNone/>
+              <a:defRPr>
+                <a:solidFill>
+                  <a:schemeClr val="tx1">
+                    <a:tint val="75000"/>
+                  </a:schemeClr>
+                </a:solidFill>
+              </a:defRPr>
+            </a:lvl5pPr>
+            <a:lvl6pPr marL="3047802" indent="0" algn="ctr">
+              <a:buNone/>
+              <a:defRPr>
+                <a:solidFill>
+                  <a:schemeClr val="tx1">
+                    <a:tint val="75000"/>
+                  </a:schemeClr>
+                </a:solidFill>
+              </a:defRPr>
+            </a:lvl6pPr>
+            <a:lvl7pPr marL="3657362" indent="0" algn="ctr">
+              <a:buNone/>
+              <a:defRPr>
+                <a:solidFill>
+                  <a:schemeClr val="tx1">
+                    <a:tint val="75000"/>
+                  </a:schemeClr>
+                </a:solidFill>
+              </a:defRPr>
+            </a:lvl7pPr>
+            <a:lvl8pPr marL="4266923" indent="0" algn="ctr">
+              <a:buNone/>
+              <a:defRPr>
+                <a:solidFill>
+                  <a:schemeClr val="tx1">
+                    <a:tint val="75000"/>
+                  </a:schemeClr>
+                </a:solidFill>
+              </a:defRPr>
+            </a:lvl8pPr>
+            <a:lvl9pPr marL="4876483" indent="0" algn="ctr">
+              <a:buNone/>
+              <a:defRPr>
+                <a:solidFill>
+                  <a:schemeClr val="tx1">
+                    <a:tint val="75000"/>
+                  </a:schemeClr>
+                </a:solidFill>
+              </a:defRPr>
+            </a:lvl9pPr>
+          </a:lstStyle>
+          <a:p>
+            <a:r>
+              <a:rPr lang="en-US" dirty="0" smtClean="0"/>
+              <a:t>Click to edit Master subtitle style</a:t>
+            </a:r>
+          </a:p>
+        </p:txBody>
+      </p:sp>
+    </p:spTree>
+    <p:extLst>
+      <p:ext uri="{BB962C8B-B14F-4D97-AF65-F5344CB8AC3E}">
+        <p14:creationId xmlns:p14="http://schemas.microsoft.com/office/powerpoint/2010/main" val="2947928335"/>
+      </p:ext>
+    </p:extLst>
+  </p:cSld>
+  <p:clrMapOvr>
+    <a:masterClrMapping/>
+  </p:clrMapOvr>
+  <p:transition spd="med">
+    <p:fade/>
+  </p:transition>
+</p:sldLayout>
+</file>
+
+<file path=ppt/slideLayouts/slideLayout14.xml><?xml version="1.0" encoding="utf-8"?>
+<p:sldLayout xmlns:a="http://schemas.openxmlformats.org/drawingml/2006/main" xmlns:r="http://schemas.openxmlformats.org/officeDocument/2006/relationships" xmlns:p="http://schemas.openxmlformats.org/presentationml/2006/main" preserve="1" userDrawn="1">
+  <p:cSld name="Problem">
+    <p:spTree>
+      <p:nvGrpSpPr>
+        <p:cNvPr id="1" name=""/>
+        <p:cNvGrpSpPr/>
+        <p:nvPr/>
+      </p:nvGrpSpPr>
+      <p:grpSpPr>
+        <a:xfrm>
+          <a:off x="0" y="0"/>
+          <a:ext cx="0" cy="0"/>
+          <a:chOff x="0" y="0"/>
+          <a:chExt cx="0" cy="0"/>
+        </a:xfrm>
+      </p:grpSpPr>
+      <p:sp>
+        <p:nvSpPr>
+          <p:cNvPr id="5" name="TextBox 4"/>
+          <p:cNvSpPr txBox="1"/>
+          <p:nvPr/>
+        </p:nvSpPr>
+        <p:spPr bwMode="white">
+          <a:xfrm>
+            <a:off x="136960" y="149489"/>
+            <a:ext cx="11781799" cy="2378219"/>
+          </a:xfrm>
+          <a:prstGeom prst="rect">
+            <a:avLst/>
+          </a:prstGeom>
+          <a:noFill/>
+          <a:ln>
+            <a:noFill/>
+          </a:ln>
+          <a:effectLst/>
+        </p:spPr>
+        <p:txBody>
+          <a:bodyPr lIns="121920" tIns="121920" rIns="121920" bIns="121920" anchor="ctr"/>
+          <a:lstStyle/>
+          <a:p>
+            <a:pPr defTabSz="1219120" fontAlgn="auto">
+              <a:spcBef>
+                <a:spcPts val="0"/>
+              </a:spcBef>
+              <a:spcAft>
+                <a:spcPts val="0"/>
+              </a:spcAft>
+              <a:defRPr/>
+            </a:pPr>
+            <a:r>
+              <a:rPr lang="en-US" sz="16933" dirty="0">
+                <a:ln w="18415" cmpd="sng">
+                  <a:solidFill>
+                    <a:srgbClr val="FFFFFF"/>
+                  </a:solidFill>
+                  <a:prstDash val="solid"/>
+                </a:ln>
+                <a:solidFill>
+                  <a:schemeClr val="bg2">
+                    <a:lumMod val="95000"/>
+                    <a:alpha val="50000"/>
+                  </a:schemeClr>
+                </a:solidFill>
+                <a:latin typeface="+mn-lt"/>
+                <a:ea typeface="+mn-ea"/>
+                <a:cs typeface="+mn-cs"/>
+              </a:rPr>
+              <a:t>PROBLEM</a:t>
+            </a:r>
+          </a:p>
+        </p:txBody>
+      </p:sp>
+      <p:pic>
+        <p:nvPicPr>
+          <p:cNvPr id="2" name="Picture 1" descr="splat.gif"/>
+          <p:cNvPicPr>
+            <a:picLocks noChangeAspect="1"/>
+          </p:cNvPicPr>
+          <p:nvPr userDrawn="1"/>
+        </p:nvPicPr>
+        <p:blipFill>
+          <a:blip r:embed="rId2">
+            <a:extLst>
+              <a:ext uri="{28A0092B-C50C-407E-A947-70E740481C1C}">
+                <a14:useLocalDpi xmlns:a14="http://schemas.microsoft.com/office/drawing/2010/main" val="0"/>
+              </a:ext>
+            </a:extLst>
+          </a:blip>
+          <a:stretch>
+            <a:fillRect/>
+          </a:stretch>
+        </p:blipFill>
+        <p:spPr>
+          <a:xfrm>
+            <a:off x="13153654" y="94879"/>
+            <a:ext cx="2648691" cy="2648691"/>
+          </a:xfrm>
+          <a:prstGeom prst="rect">
+            <a:avLst/>
+          </a:prstGeom>
+        </p:spPr>
+      </p:pic>
+      <p:sp>
+        <p:nvSpPr>
+          <p:cNvPr id="6" name="Title 1"/>
+          <p:cNvSpPr>
+            <a:spLocks noGrp="1"/>
+          </p:cNvSpPr>
+          <p:nvPr>
+            <p:ph type="ctrTitle" hasCustomPrompt="1"/>
+          </p:nvPr>
+        </p:nvSpPr>
+        <p:spPr bwMode="white">
+          <a:xfrm>
+            <a:off x="1671638" y="2294619"/>
+            <a:ext cx="12319000" cy="852712"/>
+          </a:xfrm>
+        </p:spPr>
+        <p:txBody>
+          <a:bodyPr lIns="91440" tIns="91440" rIns="91440" bIns="91440" anchor="ctr"/>
+          <a:lstStyle>
+            <a:lvl1pPr>
+              <a:lnSpc>
+                <a:spcPct val="90000"/>
+              </a:lnSpc>
+              <a:defRPr sz="6400" b="1" spc="0" baseline="0">
+                <a:solidFill>
+                  <a:schemeClr val="accent1"/>
+                </a:solidFill>
+              </a:defRPr>
+            </a:lvl1pPr>
+          </a:lstStyle>
+          <a:p>
+            <a:r>
+              <a:rPr lang="en-US" dirty="0" smtClean="0"/>
+              <a:t>Problem</a:t>
+            </a:r>
+            <a:endParaRPr lang="en-US" dirty="0"/>
+          </a:p>
+        </p:txBody>
+      </p:sp>
+      <p:sp>
+        <p:nvSpPr>
+          <p:cNvPr id="10" name="Subtitle 2"/>
+          <p:cNvSpPr>
+            <a:spLocks noGrp="1"/>
+          </p:cNvSpPr>
+          <p:nvPr>
+            <p:ph type="subTitle" idx="1"/>
+          </p:nvPr>
+        </p:nvSpPr>
+        <p:spPr bwMode="white">
+          <a:xfrm>
+            <a:off x="1671638" y="3271838"/>
+            <a:ext cx="12319000" cy="3346421"/>
+          </a:xfrm>
+          <a:prstGeom prst="rect">
+            <a:avLst/>
+          </a:prstGeom>
+        </p:spPr>
+        <p:txBody>
+          <a:bodyPr lIns="91440" tIns="91440" rIns="91440" bIns="91440">
+            <a:noAutofit/>
+          </a:bodyPr>
+          <a:lstStyle>
+            <a:lvl1pPr marL="0" indent="0" algn="l">
+              <a:lnSpc>
+                <a:spcPct val="100000"/>
+              </a:lnSpc>
+              <a:spcBef>
+                <a:spcPts val="0"/>
+              </a:spcBef>
+              <a:buNone/>
+              <a:defRPr sz="2800" baseline="0">
+                <a:solidFill>
+                  <a:schemeClr val="accent3">
+                    <a:lumMod val="50000"/>
+                  </a:schemeClr>
+                </a:solidFill>
+              </a:defRPr>
+            </a:lvl1pPr>
+            <a:lvl2pPr marL="609561" indent="0" algn="ctr">
+              <a:buNone/>
+              <a:defRPr>
+                <a:solidFill>
+                  <a:schemeClr val="tx1">
+                    <a:tint val="75000"/>
+                  </a:schemeClr>
+                </a:solidFill>
+              </a:defRPr>
+            </a:lvl2pPr>
+            <a:lvl3pPr marL="1219120" indent="0" algn="ctr">
+              <a:buNone/>
+              <a:defRPr>
+                <a:solidFill>
+                  <a:schemeClr val="tx1">
+                    <a:tint val="75000"/>
+                  </a:schemeClr>
+                </a:solidFill>
+              </a:defRPr>
+            </a:lvl3pPr>
+            <a:lvl4pPr marL="1828681" indent="0" algn="ctr">
+              <a:buNone/>
+              <a:defRPr>
+                <a:solidFill>
+                  <a:schemeClr val="tx1">
+                    <a:tint val="75000"/>
+                  </a:schemeClr>
+                </a:solidFill>
+              </a:defRPr>
+            </a:lvl4pPr>
+            <a:lvl5pPr marL="2438242" indent="0" algn="ctr">
+              <a:buNone/>
+              <a:defRPr>
+                <a:solidFill>
+                  <a:schemeClr val="tx1">
+                    <a:tint val="75000"/>
+                  </a:schemeClr>
+                </a:solidFill>
+              </a:defRPr>
+            </a:lvl5pPr>
+            <a:lvl6pPr marL="3047802" indent="0" algn="ctr">
+              <a:buNone/>
+              <a:defRPr>
+                <a:solidFill>
+                  <a:schemeClr val="tx1">
+                    <a:tint val="75000"/>
+                  </a:schemeClr>
+                </a:solidFill>
+              </a:defRPr>
+            </a:lvl6pPr>
+            <a:lvl7pPr marL="3657362" indent="0" algn="ctr">
+              <a:buNone/>
+              <a:defRPr>
+                <a:solidFill>
+                  <a:schemeClr val="tx1">
+                    <a:tint val="75000"/>
+                  </a:schemeClr>
+                </a:solidFill>
+              </a:defRPr>
+            </a:lvl7pPr>
+            <a:lvl8pPr marL="4266923" indent="0" algn="ctr">
+              <a:buNone/>
+              <a:defRPr>
+                <a:solidFill>
+                  <a:schemeClr val="tx1">
+                    <a:tint val="75000"/>
+                  </a:schemeClr>
+                </a:solidFill>
+              </a:defRPr>
+            </a:lvl8pPr>
+            <a:lvl9pPr marL="4876483" indent="0" algn="ctr">
+              <a:buNone/>
+              <a:defRPr>
+                <a:solidFill>
+                  <a:schemeClr val="tx1">
+                    <a:tint val="75000"/>
+                  </a:schemeClr>
+                </a:solidFill>
+              </a:defRPr>
+            </a:lvl9pPr>
+          </a:lstStyle>
+          <a:p>
+            <a:r>
+              <a:rPr lang="en-US" dirty="0" smtClean="0"/>
+              <a:t>Click to edit Master subtitle style</a:t>
+            </a:r>
+          </a:p>
+        </p:txBody>
+      </p:sp>
+    </p:spTree>
+    <p:extLst>
+      <p:ext uri="{BB962C8B-B14F-4D97-AF65-F5344CB8AC3E}">
+        <p14:creationId xmlns:p14="http://schemas.microsoft.com/office/powerpoint/2010/main" val="247207333"/>
+      </p:ext>
+    </p:extLst>
+  </p:cSld>
+  <p:clrMapOvr>
+    <a:masterClrMapping/>
+  </p:clrMapOvr>
+  <p:transition spd="med">
+    <p:fade/>
+  </p:transition>
+</p:sldLayout>
+</file>
+
+<file path=ppt/slideLayouts/slideLayout15.xml><?xml version="1.0" encoding="utf-8"?>
+<p:sldLayout xmlns:a="http://schemas.openxmlformats.org/drawingml/2006/main" xmlns:r="http://schemas.openxmlformats.org/officeDocument/2006/relationships" xmlns:p="http://schemas.openxmlformats.org/presentationml/2006/main" preserve="1" userDrawn="1">
+  <p:cSld name="Docs">
+    <p:spTree>
+      <p:nvGrpSpPr>
+        <p:cNvPr id="1" name=""/>
+        <p:cNvGrpSpPr/>
+        <p:nvPr/>
+      </p:nvGrpSpPr>
+      <p:grpSpPr>
+        <a:xfrm>
+          <a:off x="0" y="0"/>
+          <a:ext cx="0" cy="0"/>
+          <a:chOff x="0" y="0"/>
+          <a:chExt cx="0" cy="0"/>
+        </a:xfrm>
+      </p:grpSpPr>
+      <p:sp>
+        <p:nvSpPr>
+          <p:cNvPr id="7" name="TextBox 6"/>
+          <p:cNvSpPr txBox="1"/>
+          <p:nvPr/>
+        </p:nvSpPr>
+        <p:spPr bwMode="white">
+          <a:xfrm>
+            <a:off x="136960" y="160072"/>
+            <a:ext cx="13917707" cy="2378219"/>
+          </a:xfrm>
+          <a:prstGeom prst="rect">
+            <a:avLst/>
+          </a:prstGeom>
+          <a:noFill/>
+          <a:ln>
+            <a:noFill/>
+          </a:ln>
+          <a:effectLst/>
+        </p:spPr>
+        <p:txBody>
+          <a:bodyPr lIns="121920" tIns="121920" rIns="121920" bIns="121920" anchor="ctr"/>
+          <a:lstStyle/>
+          <a:p>
+            <a:pPr defTabSz="1219120" fontAlgn="auto">
+              <a:spcBef>
+                <a:spcPts val="0"/>
+              </a:spcBef>
+              <a:spcAft>
+                <a:spcPts val="0"/>
+              </a:spcAft>
+              <a:defRPr/>
+            </a:pPr>
+            <a:r>
+              <a:rPr lang="en-US" sz="16933" dirty="0" smtClean="0">
+                <a:ln w="18415" cmpd="sng">
+                  <a:solidFill>
+                    <a:srgbClr val="FFFFFF"/>
+                  </a:solidFill>
+                  <a:prstDash val="solid"/>
+                </a:ln>
+                <a:solidFill>
+                  <a:schemeClr val="bg2">
+                    <a:lumMod val="95000"/>
+                    <a:alpha val="50000"/>
+                  </a:schemeClr>
+                </a:solidFill>
+                <a:latin typeface="+mn-lt"/>
+                <a:ea typeface="+mn-ea"/>
+                <a:cs typeface="+mn-cs"/>
+              </a:rPr>
+              <a:t>REFERENCE</a:t>
+            </a:r>
+            <a:endParaRPr lang="en-US" sz="16933" dirty="0">
+              <a:ln w="18415" cmpd="sng">
+                <a:solidFill>
+                  <a:srgbClr val="FFFFFF"/>
+                </a:solidFill>
+                <a:prstDash val="solid"/>
+              </a:ln>
+              <a:solidFill>
+                <a:schemeClr val="bg2">
+                  <a:lumMod val="95000"/>
+                  <a:alpha val="50000"/>
+                </a:schemeClr>
+              </a:solidFill>
+              <a:latin typeface="+mn-lt"/>
+              <a:ea typeface="+mn-ea"/>
+              <a:cs typeface="+mn-cs"/>
+            </a:endParaRPr>
+          </a:p>
+        </p:txBody>
+      </p:sp>
+      <p:pic>
+        <p:nvPicPr>
+          <p:cNvPr id="2" name="Picture 1" descr="reference.gif"/>
+          <p:cNvPicPr>
+            <a:picLocks noChangeAspect="1"/>
+          </p:cNvPicPr>
+          <p:nvPr userDrawn="1"/>
+        </p:nvPicPr>
+        <p:blipFill>
+          <a:blip r:embed="rId2">
+            <a:extLst>
+              <a:ext uri="{28A0092B-C50C-407E-A947-70E740481C1C}">
+                <a14:useLocalDpi xmlns:a14="http://schemas.microsoft.com/office/drawing/2010/main" val="0"/>
+              </a:ext>
+            </a:extLst>
+          </a:blip>
+          <a:stretch>
+            <a:fillRect/>
+          </a:stretch>
+        </p:blipFill>
+        <p:spPr>
+          <a:xfrm>
+            <a:off x="13383499" y="324724"/>
+            <a:ext cx="2189001" cy="2189001"/>
+          </a:xfrm>
+          <a:prstGeom prst="rect">
+            <a:avLst/>
+          </a:prstGeom>
+        </p:spPr>
+      </p:pic>
+      <p:sp>
+        <p:nvSpPr>
+          <p:cNvPr id="6" name="Title 1"/>
+          <p:cNvSpPr>
+            <a:spLocks noGrp="1"/>
+          </p:cNvSpPr>
+          <p:nvPr>
+            <p:ph type="ctrTitle" hasCustomPrompt="1"/>
+          </p:nvPr>
+        </p:nvSpPr>
+        <p:spPr bwMode="white">
+          <a:xfrm>
+            <a:off x="1671638" y="2294619"/>
+            <a:ext cx="12319000" cy="852712"/>
+          </a:xfrm>
+        </p:spPr>
+        <p:txBody>
+          <a:bodyPr lIns="91440" tIns="91440" rIns="91440" bIns="91440" anchor="ctr"/>
+          <a:lstStyle>
+            <a:lvl1pPr>
+              <a:lnSpc>
+                <a:spcPct val="90000"/>
+              </a:lnSpc>
+              <a:defRPr sz="6400" b="1" spc="0" baseline="0">
+                <a:solidFill>
+                  <a:schemeClr val="accent1"/>
+                </a:solidFill>
+              </a:defRPr>
+            </a:lvl1pPr>
+          </a:lstStyle>
+          <a:p>
+            <a:r>
+              <a:rPr lang="en-US" dirty="0" smtClean="0"/>
+              <a:t>Documentation</a:t>
+            </a:r>
+            <a:endParaRPr lang="en-US" dirty="0"/>
+          </a:p>
+        </p:txBody>
+      </p:sp>
+      <p:sp>
+        <p:nvSpPr>
+          <p:cNvPr id="12" name="Subtitle 2"/>
+          <p:cNvSpPr>
+            <a:spLocks noGrp="1"/>
+          </p:cNvSpPr>
+          <p:nvPr>
+            <p:ph type="subTitle" idx="1"/>
+          </p:nvPr>
+        </p:nvSpPr>
+        <p:spPr bwMode="white">
+          <a:xfrm>
+            <a:off x="1671638" y="3271838"/>
+            <a:ext cx="12319000" cy="3346421"/>
+          </a:xfrm>
+          <a:prstGeom prst="rect">
+            <a:avLst/>
+          </a:prstGeom>
+        </p:spPr>
+        <p:txBody>
+          <a:bodyPr lIns="91440" tIns="91440" rIns="91440" bIns="91440">
+            <a:noAutofit/>
+          </a:bodyPr>
+          <a:lstStyle>
+            <a:lvl1pPr marL="0" indent="0" algn="l">
+              <a:lnSpc>
+                <a:spcPct val="100000"/>
+              </a:lnSpc>
+              <a:spcBef>
+                <a:spcPts val="0"/>
+              </a:spcBef>
+              <a:buNone/>
+              <a:defRPr sz="2800" baseline="0">
+                <a:solidFill>
+                  <a:schemeClr val="accent3">
+                    <a:lumMod val="50000"/>
+                  </a:schemeClr>
+                </a:solidFill>
+              </a:defRPr>
+            </a:lvl1pPr>
+            <a:lvl2pPr marL="609561" indent="0" algn="ctr">
+              <a:buNone/>
+              <a:defRPr>
+                <a:solidFill>
+                  <a:schemeClr val="tx1">
+                    <a:tint val="75000"/>
+                  </a:schemeClr>
+                </a:solidFill>
+              </a:defRPr>
+            </a:lvl2pPr>
+            <a:lvl3pPr marL="1219120" indent="0" algn="ctr">
+              <a:buNone/>
+              <a:defRPr>
+                <a:solidFill>
+                  <a:schemeClr val="tx1">
+                    <a:tint val="75000"/>
+                  </a:schemeClr>
+                </a:solidFill>
+              </a:defRPr>
+            </a:lvl3pPr>
+            <a:lvl4pPr marL="1828681" indent="0" algn="ctr">
+              <a:buNone/>
+              <a:defRPr>
+                <a:solidFill>
+                  <a:schemeClr val="tx1">
+                    <a:tint val="75000"/>
+                  </a:schemeClr>
+                </a:solidFill>
+              </a:defRPr>
+            </a:lvl4pPr>
+            <a:lvl5pPr marL="2438242" indent="0" algn="ctr">
+              <a:buNone/>
+              <a:defRPr>
+                <a:solidFill>
+                  <a:schemeClr val="tx1">
+                    <a:tint val="75000"/>
+                  </a:schemeClr>
+                </a:solidFill>
+              </a:defRPr>
+            </a:lvl5pPr>
+            <a:lvl6pPr marL="3047802" indent="0" algn="ctr">
+              <a:buNone/>
+              <a:defRPr>
+                <a:solidFill>
+                  <a:schemeClr val="tx1">
+                    <a:tint val="75000"/>
+                  </a:schemeClr>
+                </a:solidFill>
+              </a:defRPr>
+            </a:lvl6pPr>
+            <a:lvl7pPr marL="3657362" indent="0" algn="ctr">
+              <a:buNone/>
+              <a:defRPr>
+                <a:solidFill>
+                  <a:schemeClr val="tx1">
+                    <a:tint val="75000"/>
+                  </a:schemeClr>
+                </a:solidFill>
+              </a:defRPr>
+            </a:lvl7pPr>
+            <a:lvl8pPr marL="4266923" indent="0" algn="ctr">
+              <a:buNone/>
+              <a:defRPr>
+                <a:solidFill>
+                  <a:schemeClr val="tx1">
+                    <a:tint val="75000"/>
+                  </a:schemeClr>
+                </a:solidFill>
+              </a:defRPr>
+            </a:lvl8pPr>
+            <a:lvl9pPr marL="4876483" indent="0" algn="ctr">
+              <a:buNone/>
+              <a:defRPr>
+                <a:solidFill>
+                  <a:schemeClr val="tx1">
+                    <a:tint val="75000"/>
+                  </a:schemeClr>
+                </a:solidFill>
+              </a:defRPr>
+            </a:lvl9pPr>
+          </a:lstStyle>
+          <a:p>
+            <a:r>
+              <a:rPr lang="en-US" dirty="0" smtClean="0"/>
+              <a:t>Click to edit Master subtitle style</a:t>
+            </a:r>
+          </a:p>
+        </p:txBody>
+      </p:sp>
+      <p:sp>
+        <p:nvSpPr>
+          <p:cNvPr id="10" name="Content Placeholder 3"/>
+          <p:cNvSpPr>
+            <a:spLocks noGrp="1"/>
+          </p:cNvSpPr>
+          <p:nvPr>
+            <p:ph sz="quarter" idx="13" hasCustomPrompt="1"/>
+          </p:nvPr>
+        </p:nvSpPr>
+        <p:spPr>
+          <a:xfrm>
+            <a:off x="3921498" y="7164200"/>
+            <a:ext cx="8917577" cy="524133"/>
+          </a:xfrm>
+          <a:prstGeom prst="rect">
+            <a:avLst/>
+          </a:prstGeom>
+        </p:spPr>
+        <p:txBody>
+          <a:bodyPr anchor="ctr"/>
+          <a:lstStyle>
+            <a:lvl1pPr marL="0" indent="0" algn="ctr">
+              <a:buNone/>
+              <a:defRPr sz="2400">
+                <a:solidFill>
+                  <a:schemeClr val="tx1"/>
+                </a:solidFill>
+              </a:defRPr>
+            </a:lvl1pPr>
+          </a:lstStyle>
+          <a:p>
+            <a:pPr lvl="0"/>
+            <a:r>
+              <a:rPr lang="en-US" dirty="0" smtClean="0"/>
+              <a:t>http://</a:t>
+            </a:r>
+            <a:r>
+              <a:rPr lang="en-US" dirty="0" err="1" smtClean="0"/>
+              <a:t>docs.chef.io</a:t>
+            </a:r>
+            <a:endParaRPr lang="en-US" dirty="0" smtClean="0"/>
+          </a:p>
+        </p:txBody>
+      </p:sp>
+    </p:spTree>
+    <p:extLst>
+      <p:ext uri="{BB962C8B-B14F-4D97-AF65-F5344CB8AC3E}">
+        <p14:creationId xmlns:p14="http://schemas.microsoft.com/office/powerpoint/2010/main" val="1970238568"/>
+      </p:ext>
+    </p:extLst>
+  </p:cSld>
+  <p:clrMapOvr>
+    <a:masterClrMapping/>
+  </p:clrMapOvr>
+  <p:transition spd="med">
+    <p:fade/>
+  </p:transition>
+</p:sldLayout>
+</file>
+
+<file path=ppt/slideLayouts/slideLayout16.xml><?xml version="1.0" encoding="utf-8"?>
+<p:sldLayout xmlns:a="http://schemas.openxmlformats.org/drawingml/2006/main" xmlns:r="http://schemas.openxmlformats.org/officeDocument/2006/relationships" xmlns:p="http://schemas.openxmlformats.org/presentationml/2006/main" preserve="1" userDrawn="1">
+  <p:cSld name="Concept">
+    <p:spTree>
+      <p:nvGrpSpPr>
+        <p:cNvPr id="1" name=""/>
+        <p:cNvGrpSpPr/>
+        <p:nvPr/>
+      </p:nvGrpSpPr>
+      <p:grpSpPr>
+        <a:xfrm>
+          <a:off x="0" y="0"/>
+          <a:ext cx="0" cy="0"/>
+          <a:chOff x="0" y="0"/>
+          <a:chExt cx="0" cy="0"/>
+        </a:xfrm>
+      </p:grpSpPr>
+      <p:sp>
+        <p:nvSpPr>
+          <p:cNvPr id="5" name="TextBox 4"/>
+          <p:cNvSpPr txBox="1"/>
+          <p:nvPr/>
+        </p:nvSpPr>
+        <p:spPr bwMode="white">
+          <a:xfrm>
+            <a:off x="136961" y="144390"/>
+            <a:ext cx="11554287" cy="2378219"/>
+          </a:xfrm>
+          <a:prstGeom prst="rect">
+            <a:avLst/>
+          </a:prstGeom>
+          <a:noFill/>
+          <a:ln>
+            <a:noFill/>
+          </a:ln>
+          <a:effectLst/>
+        </p:spPr>
+        <p:txBody>
+          <a:bodyPr lIns="121920" tIns="121920" rIns="121920" bIns="121920" anchor="ctr"/>
+          <a:lstStyle/>
+          <a:p>
+            <a:pPr defTabSz="1219120" fontAlgn="auto">
+              <a:spcBef>
+                <a:spcPts val="0"/>
+              </a:spcBef>
+              <a:spcAft>
+                <a:spcPts val="0"/>
+              </a:spcAft>
+              <a:defRPr/>
+            </a:pPr>
+            <a:r>
+              <a:rPr lang="en-US" sz="16933" dirty="0">
+                <a:ln w="18415" cmpd="sng">
+                  <a:solidFill>
+                    <a:srgbClr val="FFFFFF"/>
+                  </a:solidFill>
+                  <a:prstDash val="solid"/>
+                </a:ln>
+                <a:solidFill>
+                  <a:schemeClr val="bg2">
+                    <a:lumMod val="95000"/>
+                    <a:alpha val="50000"/>
+                  </a:schemeClr>
+                </a:solidFill>
+                <a:latin typeface="+mn-lt"/>
+                <a:ea typeface="+mn-ea"/>
+                <a:cs typeface="+mn-cs"/>
+              </a:rPr>
+              <a:t>CONCEPT</a:t>
+            </a:r>
+          </a:p>
+        </p:txBody>
+      </p:sp>
+      <p:pic>
+        <p:nvPicPr>
+          <p:cNvPr id="2" name="Picture 1" descr="concept.gif"/>
+          <p:cNvPicPr>
+            <a:picLocks noChangeAspect="1"/>
+          </p:cNvPicPr>
+          <p:nvPr userDrawn="1"/>
+        </p:nvPicPr>
+        <p:blipFill>
+          <a:blip r:embed="rId2">
+            <a:extLst>
+              <a:ext uri="{28A0092B-C50C-407E-A947-70E740481C1C}">
+                <a14:useLocalDpi xmlns:a14="http://schemas.microsoft.com/office/drawing/2010/main" val="0"/>
+              </a:ext>
+            </a:extLst>
+          </a:blip>
+          <a:stretch>
+            <a:fillRect/>
+          </a:stretch>
+        </p:blipFill>
+        <p:spPr>
+          <a:xfrm>
+            <a:off x="13119426" y="324724"/>
+            <a:ext cx="2717146" cy="2189001"/>
+          </a:xfrm>
+          <a:prstGeom prst="rect">
+            <a:avLst/>
+          </a:prstGeom>
+        </p:spPr>
+      </p:pic>
+      <p:sp>
+        <p:nvSpPr>
+          <p:cNvPr id="6" name="Title 1"/>
+          <p:cNvSpPr>
+            <a:spLocks noGrp="1"/>
+          </p:cNvSpPr>
+          <p:nvPr>
+            <p:ph type="ctrTitle" hasCustomPrompt="1"/>
+          </p:nvPr>
+        </p:nvSpPr>
+        <p:spPr bwMode="white">
+          <a:xfrm>
+            <a:off x="1671638" y="2294619"/>
+            <a:ext cx="12319000" cy="852712"/>
+          </a:xfrm>
+        </p:spPr>
+        <p:txBody>
+          <a:bodyPr lIns="91440" tIns="91440" rIns="91440" bIns="91440" anchor="ctr"/>
+          <a:lstStyle>
+            <a:lvl1pPr>
+              <a:lnSpc>
+                <a:spcPct val="90000"/>
+              </a:lnSpc>
+              <a:defRPr sz="6400" b="1" spc="0" baseline="0">
+                <a:solidFill>
+                  <a:schemeClr val="accent1"/>
+                </a:solidFill>
+              </a:defRPr>
+            </a:lvl1pPr>
+          </a:lstStyle>
+          <a:p>
+            <a:r>
+              <a:rPr lang="en-US" dirty="0" smtClean="0"/>
+              <a:t>Concept</a:t>
+            </a:r>
+            <a:endParaRPr lang="en-US" dirty="0"/>
+          </a:p>
+        </p:txBody>
+      </p:sp>
+      <p:sp>
+        <p:nvSpPr>
+          <p:cNvPr id="10" name="Subtitle 2"/>
+          <p:cNvSpPr>
+            <a:spLocks noGrp="1"/>
+          </p:cNvSpPr>
+          <p:nvPr>
+            <p:ph type="subTitle" idx="1"/>
+          </p:nvPr>
+        </p:nvSpPr>
+        <p:spPr bwMode="white">
+          <a:xfrm>
+            <a:off x="1671638" y="3271838"/>
+            <a:ext cx="12319000" cy="3346421"/>
+          </a:xfrm>
+          <a:prstGeom prst="rect">
+            <a:avLst/>
+          </a:prstGeom>
+        </p:spPr>
+        <p:txBody>
+          <a:bodyPr lIns="91440" tIns="91440" rIns="91440" bIns="91440">
+            <a:noAutofit/>
+          </a:bodyPr>
+          <a:lstStyle>
+            <a:lvl1pPr marL="0" indent="0" algn="l">
+              <a:lnSpc>
+                <a:spcPct val="100000"/>
+              </a:lnSpc>
+              <a:spcBef>
+                <a:spcPts val="0"/>
+              </a:spcBef>
+              <a:buNone/>
+              <a:defRPr sz="2800" baseline="0">
+                <a:solidFill>
+                  <a:schemeClr val="accent3">
+                    <a:lumMod val="50000"/>
+                  </a:schemeClr>
+                </a:solidFill>
+              </a:defRPr>
+            </a:lvl1pPr>
+            <a:lvl2pPr marL="609561" indent="0" algn="ctr">
+              <a:buNone/>
+              <a:defRPr>
+                <a:solidFill>
+                  <a:schemeClr val="tx1">
+                    <a:tint val="75000"/>
+                  </a:schemeClr>
+                </a:solidFill>
+              </a:defRPr>
+            </a:lvl2pPr>
+            <a:lvl3pPr marL="1219120" indent="0" algn="ctr">
+              <a:buNone/>
+              <a:defRPr>
+                <a:solidFill>
+                  <a:schemeClr val="tx1">
+                    <a:tint val="75000"/>
+                  </a:schemeClr>
+                </a:solidFill>
+              </a:defRPr>
+            </a:lvl3pPr>
+            <a:lvl4pPr marL="1828681" indent="0" algn="ctr">
+              <a:buNone/>
+              <a:defRPr>
+                <a:solidFill>
+                  <a:schemeClr val="tx1">
+                    <a:tint val="75000"/>
+                  </a:schemeClr>
+                </a:solidFill>
+              </a:defRPr>
+            </a:lvl4pPr>
+            <a:lvl5pPr marL="2438242" indent="0" algn="ctr">
+              <a:buNone/>
+              <a:defRPr>
+                <a:solidFill>
+                  <a:schemeClr val="tx1">
+                    <a:tint val="75000"/>
+                  </a:schemeClr>
+                </a:solidFill>
+              </a:defRPr>
+            </a:lvl5pPr>
+            <a:lvl6pPr marL="3047802" indent="0" algn="ctr">
+              <a:buNone/>
+              <a:defRPr>
+                <a:solidFill>
+                  <a:schemeClr val="tx1">
+                    <a:tint val="75000"/>
+                  </a:schemeClr>
+                </a:solidFill>
+              </a:defRPr>
+            </a:lvl6pPr>
+            <a:lvl7pPr marL="3657362" indent="0" algn="ctr">
+              <a:buNone/>
+              <a:defRPr>
+                <a:solidFill>
+                  <a:schemeClr val="tx1">
+                    <a:tint val="75000"/>
+                  </a:schemeClr>
+                </a:solidFill>
+              </a:defRPr>
+            </a:lvl7pPr>
+            <a:lvl8pPr marL="4266923" indent="0" algn="ctr">
+              <a:buNone/>
+              <a:defRPr>
+                <a:solidFill>
+                  <a:schemeClr val="tx1">
+                    <a:tint val="75000"/>
+                  </a:schemeClr>
+                </a:solidFill>
+              </a:defRPr>
+            </a:lvl8pPr>
+            <a:lvl9pPr marL="4876483" indent="0" algn="ctr">
+              <a:buNone/>
+              <a:defRPr>
+                <a:solidFill>
+                  <a:schemeClr val="tx1">
+                    <a:tint val="75000"/>
+                  </a:schemeClr>
+                </a:solidFill>
+              </a:defRPr>
+            </a:lvl9pPr>
+          </a:lstStyle>
+          <a:p>
+            <a:r>
+              <a:rPr lang="en-US" dirty="0" smtClean="0"/>
+              <a:t>Click to edit Master subtitle style</a:t>
+            </a:r>
+          </a:p>
+        </p:txBody>
+      </p:sp>
+    </p:spTree>
+    <p:extLst>
+      <p:ext uri="{BB962C8B-B14F-4D97-AF65-F5344CB8AC3E}">
+        <p14:creationId xmlns:p14="http://schemas.microsoft.com/office/powerpoint/2010/main" val="1995748560"/>
+      </p:ext>
+    </p:extLst>
+  </p:cSld>
+  <p:clrMapOvr>
+    <a:masterClrMapping/>
+  </p:clrMapOvr>
+  <p:transition spd="med">
+    <p:fade/>
+  </p:transition>
+</p:sldLayout>
+</file>
+
+<file path=ppt/slideLayouts/slideLayout17.xml><?xml version="1.0" encoding="utf-8"?>
+<p:sldLayout xmlns:a="http://schemas.openxmlformats.org/drawingml/2006/main" xmlns:r="http://schemas.openxmlformats.org/officeDocument/2006/relationships" xmlns:p="http://schemas.openxmlformats.org/presentationml/2006/main" preserve="1" userDrawn="1">
   <p:cSld name="Group Exercise">
     <p:spTree>
       <p:nvGrpSpPr>
@@ -6927,14 +8137,14 @@
           </a:ln>
           <a:extLst>
             <a:ext uri="{909E8E84-426E-40dd-AFC4-6F175D3DCCD1}">
-              <a14:hiddenFill xmlns="" xmlns:a14="http://schemas.microsoft.com/office/drawing/2010/main">
+              <a14:hiddenFill xmlns:a14="http://schemas.microsoft.com/office/drawing/2010/main" xmlns="">
                 <a:solidFill>
                   <a:srgbClr val="FFFFFF"/>
                 </a:solidFill>
               </a14:hiddenFill>
             </a:ext>
             <a:ext uri="{91240B29-F687-4f45-9708-019B960494DF}">
-              <a14:hiddenLine xmlns="" xmlns:a14="http://schemas.microsoft.com/office/drawing/2010/main" w="9525">
+              <a14:hiddenLine xmlns:a14="http://schemas.microsoft.com/office/drawing/2010/main" xmlns="" w="9525">
                 <a:solidFill>
                   <a:srgbClr val="000000"/>
                 </a:solidFill>
@@ -7124,1217 +8334,7 @@
     </p:spTree>
     <p:extLst>
       <p:ext uri="{BB962C8B-B14F-4D97-AF65-F5344CB8AC3E}">
-        <p14:creationId xmlns:p14="http://schemas.microsoft.com/office/powerpoint/2010/main" val="3117431987"/>
-      </p:ext>
-    </p:extLst>
-  </p:cSld>
-  <p:clrMapOvr>
-    <a:masterClrMapping/>
-  </p:clrMapOvr>
-  <p:transition spd="med">
-    <p:fade/>
-  </p:transition>
-</p:sldLayout>
-</file>
-
-<file path=ppt/slideLayouts/slideLayout14.xml><?xml version="1.0" encoding="utf-8"?>
-<p:sldLayout xmlns:a="http://schemas.openxmlformats.org/drawingml/2006/main" xmlns:r="http://schemas.openxmlformats.org/officeDocument/2006/relationships" xmlns:p="http://schemas.openxmlformats.org/presentationml/2006/main" preserve="1" userDrawn="1">
-  <p:cSld name="Motivation">
-    <p:spTree>
-      <p:nvGrpSpPr>
-        <p:cNvPr id="1" name=""/>
-        <p:cNvGrpSpPr/>
-        <p:nvPr/>
-      </p:nvGrpSpPr>
-      <p:grpSpPr>
-        <a:xfrm>
-          <a:off x="0" y="0"/>
-          <a:ext cx="0" cy="0"/>
-          <a:chOff x="0" y="0"/>
-          <a:chExt cx="0" cy="0"/>
-        </a:xfrm>
-      </p:grpSpPr>
-      <p:sp>
-        <p:nvSpPr>
-          <p:cNvPr id="5" name="TextBox 4"/>
-          <p:cNvSpPr txBox="1"/>
-          <p:nvPr/>
-        </p:nvSpPr>
-        <p:spPr bwMode="white">
-          <a:xfrm>
-            <a:off x="136960" y="128323"/>
-            <a:ext cx="13979932" cy="2378219"/>
-          </a:xfrm>
-          <a:prstGeom prst="rect">
-            <a:avLst/>
-          </a:prstGeom>
-          <a:noFill/>
-          <a:ln>
-            <a:noFill/>
-          </a:ln>
-          <a:effectLst/>
-        </p:spPr>
-        <p:txBody>
-          <a:bodyPr lIns="121920" tIns="121920" rIns="121920" bIns="121920" anchor="ctr"/>
-          <a:lstStyle/>
-          <a:p>
-            <a:pPr defTabSz="1219120" fontAlgn="auto">
-              <a:spcBef>
-                <a:spcPts val="0"/>
-              </a:spcBef>
-              <a:spcAft>
-                <a:spcPts val="0"/>
-              </a:spcAft>
-              <a:defRPr/>
-            </a:pPr>
-            <a:r>
-              <a:rPr lang="en-US" sz="16933" dirty="0">
-                <a:ln w="18415" cmpd="sng">
-                  <a:solidFill>
-                    <a:srgbClr val="FFFFFF"/>
-                  </a:solidFill>
-                  <a:prstDash val="solid"/>
-                </a:ln>
-                <a:solidFill>
-                  <a:schemeClr val="bg2">
-                    <a:lumMod val="95000"/>
-                    <a:alpha val="50000"/>
-                  </a:schemeClr>
-                </a:solidFill>
-                <a:latin typeface="+mn-lt"/>
-                <a:ea typeface="+mn-ea"/>
-                <a:cs typeface="+mn-cs"/>
-              </a:rPr>
-              <a:t>MOTIVATION</a:t>
-            </a:r>
-          </a:p>
-        </p:txBody>
-      </p:sp>
-      <p:pic>
-        <p:nvPicPr>
-          <p:cNvPr id="2" name="Picture 1" descr="gift.gif"/>
-          <p:cNvPicPr>
-            <a:picLocks noChangeAspect="1"/>
-          </p:cNvPicPr>
-          <p:nvPr userDrawn="1"/>
-        </p:nvPicPr>
-        <p:blipFill>
-          <a:blip r:embed="rId2">
-            <a:extLst>
-              <a:ext uri="{28A0092B-C50C-407E-A947-70E740481C1C}">
-                <a14:useLocalDpi xmlns:a14="http://schemas.microsoft.com/office/drawing/2010/main" val="0"/>
-              </a:ext>
-            </a:extLst>
-          </a:blip>
-          <a:stretch>
-            <a:fillRect/>
-          </a:stretch>
-        </p:blipFill>
-        <p:spPr>
-          <a:xfrm>
-            <a:off x="13257264" y="215274"/>
-            <a:ext cx="2441471" cy="2407901"/>
-          </a:xfrm>
-          <a:prstGeom prst="rect">
-            <a:avLst/>
-          </a:prstGeom>
-        </p:spPr>
-      </p:pic>
-      <p:sp>
-        <p:nvSpPr>
-          <p:cNvPr id="6" name="Title 1"/>
-          <p:cNvSpPr>
-            <a:spLocks noGrp="1"/>
-          </p:cNvSpPr>
-          <p:nvPr>
-            <p:ph type="ctrTitle" hasCustomPrompt="1"/>
-          </p:nvPr>
-        </p:nvSpPr>
-        <p:spPr bwMode="white">
-          <a:xfrm>
-            <a:off x="1680252" y="2304144"/>
-            <a:ext cx="12310386" cy="852712"/>
-          </a:xfrm>
-        </p:spPr>
-        <p:txBody>
-          <a:bodyPr lIns="91440" tIns="91440" rIns="91440" bIns="91440" anchor="ctr"/>
-          <a:lstStyle>
-            <a:lvl1pPr>
-              <a:lnSpc>
-                <a:spcPct val="90000"/>
-              </a:lnSpc>
-              <a:defRPr sz="6400" b="1" spc="0" baseline="0">
-                <a:solidFill>
-                  <a:schemeClr val="accent1"/>
-                </a:solidFill>
-              </a:defRPr>
-            </a:lvl1pPr>
-          </a:lstStyle>
-          <a:p>
-            <a:r>
-              <a:rPr lang="en-US" dirty="0" smtClean="0"/>
-              <a:t>Motivation</a:t>
-            </a:r>
-            <a:endParaRPr lang="en-US" dirty="0"/>
-          </a:p>
-        </p:txBody>
-      </p:sp>
-      <p:sp>
-        <p:nvSpPr>
-          <p:cNvPr id="14" name="Subtitle 2"/>
-          <p:cNvSpPr>
-            <a:spLocks noGrp="1"/>
-          </p:cNvSpPr>
-          <p:nvPr>
-            <p:ph type="subTitle" idx="1"/>
-          </p:nvPr>
-        </p:nvSpPr>
-        <p:spPr bwMode="white">
-          <a:xfrm>
-            <a:off x="1672167" y="3283868"/>
-            <a:ext cx="12315718" cy="4770049"/>
-          </a:xfrm>
-          <a:prstGeom prst="rect">
-            <a:avLst/>
-          </a:prstGeom>
-        </p:spPr>
-        <p:txBody>
-          <a:bodyPr lIns="91440" tIns="91440" rIns="91440" bIns="91440">
-            <a:noAutofit/>
-          </a:bodyPr>
-          <a:lstStyle>
-            <a:lvl1pPr marL="0" indent="0" algn="l">
-              <a:lnSpc>
-                <a:spcPct val="100000"/>
-              </a:lnSpc>
-              <a:spcBef>
-                <a:spcPts val="0"/>
-              </a:spcBef>
-              <a:buNone/>
-              <a:defRPr sz="2800" baseline="0">
-                <a:solidFill>
-                  <a:schemeClr val="accent3">
-                    <a:lumMod val="50000"/>
-                  </a:schemeClr>
-                </a:solidFill>
-              </a:defRPr>
-            </a:lvl1pPr>
-            <a:lvl2pPr marL="609561" indent="0" algn="ctr">
-              <a:buNone/>
-              <a:defRPr>
-                <a:solidFill>
-                  <a:schemeClr val="tx1">
-                    <a:tint val="75000"/>
-                  </a:schemeClr>
-                </a:solidFill>
-              </a:defRPr>
-            </a:lvl2pPr>
-            <a:lvl3pPr marL="1219120" indent="0" algn="ctr">
-              <a:buNone/>
-              <a:defRPr>
-                <a:solidFill>
-                  <a:schemeClr val="tx1">
-                    <a:tint val="75000"/>
-                  </a:schemeClr>
-                </a:solidFill>
-              </a:defRPr>
-            </a:lvl3pPr>
-            <a:lvl4pPr marL="1828681" indent="0" algn="ctr">
-              <a:buNone/>
-              <a:defRPr>
-                <a:solidFill>
-                  <a:schemeClr val="tx1">
-                    <a:tint val="75000"/>
-                  </a:schemeClr>
-                </a:solidFill>
-              </a:defRPr>
-            </a:lvl4pPr>
-            <a:lvl5pPr marL="2438242" indent="0" algn="ctr">
-              <a:buNone/>
-              <a:defRPr>
-                <a:solidFill>
-                  <a:schemeClr val="tx1">
-                    <a:tint val="75000"/>
-                  </a:schemeClr>
-                </a:solidFill>
-              </a:defRPr>
-            </a:lvl5pPr>
-            <a:lvl6pPr marL="3047802" indent="0" algn="ctr">
-              <a:buNone/>
-              <a:defRPr>
-                <a:solidFill>
-                  <a:schemeClr val="tx1">
-                    <a:tint val="75000"/>
-                  </a:schemeClr>
-                </a:solidFill>
-              </a:defRPr>
-            </a:lvl6pPr>
-            <a:lvl7pPr marL="3657362" indent="0" algn="ctr">
-              <a:buNone/>
-              <a:defRPr>
-                <a:solidFill>
-                  <a:schemeClr val="tx1">
-                    <a:tint val="75000"/>
-                  </a:schemeClr>
-                </a:solidFill>
-              </a:defRPr>
-            </a:lvl7pPr>
-            <a:lvl8pPr marL="4266923" indent="0" algn="ctr">
-              <a:buNone/>
-              <a:defRPr>
-                <a:solidFill>
-                  <a:schemeClr val="tx1">
-                    <a:tint val="75000"/>
-                  </a:schemeClr>
-                </a:solidFill>
-              </a:defRPr>
-            </a:lvl8pPr>
-            <a:lvl9pPr marL="4876483" indent="0" algn="ctr">
-              <a:buNone/>
-              <a:defRPr>
-                <a:solidFill>
-                  <a:schemeClr val="tx1">
-                    <a:tint val="75000"/>
-                  </a:schemeClr>
-                </a:solidFill>
-              </a:defRPr>
-            </a:lvl9pPr>
-          </a:lstStyle>
-          <a:p>
-            <a:r>
-              <a:rPr lang="en-US" dirty="0" smtClean="0"/>
-              <a:t>Click to edit Master subtitle style</a:t>
-            </a:r>
-          </a:p>
-        </p:txBody>
-      </p:sp>
-    </p:spTree>
-    <p:extLst>
-      <p:ext uri="{BB962C8B-B14F-4D97-AF65-F5344CB8AC3E}">
-        <p14:creationId xmlns:p14="http://schemas.microsoft.com/office/powerpoint/2010/main" val="2947928335"/>
-      </p:ext>
-    </p:extLst>
-  </p:cSld>
-  <p:clrMapOvr>
-    <a:masterClrMapping/>
-  </p:clrMapOvr>
-  <p:transition spd="med">
-    <p:fade/>
-  </p:transition>
-</p:sldLayout>
-</file>
-
-<file path=ppt/slideLayouts/slideLayout15.xml><?xml version="1.0" encoding="utf-8"?>
-<p:sldLayout xmlns:a="http://schemas.openxmlformats.org/drawingml/2006/main" xmlns:r="http://schemas.openxmlformats.org/officeDocument/2006/relationships" xmlns:p="http://schemas.openxmlformats.org/presentationml/2006/main" preserve="1" userDrawn="1">
-  <p:cSld name="Problem">
-    <p:spTree>
-      <p:nvGrpSpPr>
-        <p:cNvPr id="1" name=""/>
-        <p:cNvGrpSpPr/>
-        <p:nvPr/>
-      </p:nvGrpSpPr>
-      <p:grpSpPr>
-        <a:xfrm>
-          <a:off x="0" y="0"/>
-          <a:ext cx="0" cy="0"/>
-          <a:chOff x="0" y="0"/>
-          <a:chExt cx="0" cy="0"/>
-        </a:xfrm>
-      </p:grpSpPr>
-      <p:sp>
-        <p:nvSpPr>
-          <p:cNvPr id="5" name="TextBox 4"/>
-          <p:cNvSpPr txBox="1"/>
-          <p:nvPr/>
-        </p:nvSpPr>
-        <p:spPr bwMode="white">
-          <a:xfrm>
-            <a:off x="136960" y="149489"/>
-            <a:ext cx="11781799" cy="2378219"/>
-          </a:xfrm>
-          <a:prstGeom prst="rect">
-            <a:avLst/>
-          </a:prstGeom>
-          <a:noFill/>
-          <a:ln>
-            <a:noFill/>
-          </a:ln>
-          <a:effectLst/>
-        </p:spPr>
-        <p:txBody>
-          <a:bodyPr lIns="121920" tIns="121920" rIns="121920" bIns="121920" anchor="ctr"/>
-          <a:lstStyle/>
-          <a:p>
-            <a:pPr defTabSz="1219120" fontAlgn="auto">
-              <a:spcBef>
-                <a:spcPts val="0"/>
-              </a:spcBef>
-              <a:spcAft>
-                <a:spcPts val="0"/>
-              </a:spcAft>
-              <a:defRPr/>
-            </a:pPr>
-            <a:r>
-              <a:rPr lang="en-US" sz="16933" dirty="0">
-                <a:ln w="18415" cmpd="sng">
-                  <a:solidFill>
-                    <a:srgbClr val="FFFFFF"/>
-                  </a:solidFill>
-                  <a:prstDash val="solid"/>
-                </a:ln>
-                <a:solidFill>
-                  <a:schemeClr val="bg2">
-                    <a:lumMod val="95000"/>
-                    <a:alpha val="50000"/>
-                  </a:schemeClr>
-                </a:solidFill>
-                <a:latin typeface="+mn-lt"/>
-                <a:ea typeface="+mn-ea"/>
-                <a:cs typeface="+mn-cs"/>
-              </a:rPr>
-              <a:t>PROBLEM</a:t>
-            </a:r>
-          </a:p>
-        </p:txBody>
-      </p:sp>
-      <p:pic>
-        <p:nvPicPr>
-          <p:cNvPr id="2" name="Picture 1" descr="splat.gif"/>
-          <p:cNvPicPr>
-            <a:picLocks noChangeAspect="1"/>
-          </p:cNvPicPr>
-          <p:nvPr userDrawn="1"/>
-        </p:nvPicPr>
-        <p:blipFill>
-          <a:blip r:embed="rId2">
-            <a:extLst>
-              <a:ext uri="{28A0092B-C50C-407E-A947-70E740481C1C}">
-                <a14:useLocalDpi xmlns:a14="http://schemas.microsoft.com/office/drawing/2010/main" val="0"/>
-              </a:ext>
-            </a:extLst>
-          </a:blip>
-          <a:stretch>
-            <a:fillRect/>
-          </a:stretch>
-        </p:blipFill>
-        <p:spPr>
-          <a:xfrm>
-            <a:off x="13153654" y="94879"/>
-            <a:ext cx="2648691" cy="2648691"/>
-          </a:xfrm>
-          <a:prstGeom prst="rect">
-            <a:avLst/>
-          </a:prstGeom>
-        </p:spPr>
-      </p:pic>
-      <p:sp>
-        <p:nvSpPr>
-          <p:cNvPr id="6" name="Title 1"/>
-          <p:cNvSpPr>
-            <a:spLocks noGrp="1"/>
-          </p:cNvSpPr>
-          <p:nvPr>
-            <p:ph type="ctrTitle" hasCustomPrompt="1"/>
-          </p:nvPr>
-        </p:nvSpPr>
-        <p:spPr bwMode="white">
-          <a:xfrm>
-            <a:off x="1671638" y="2294619"/>
-            <a:ext cx="12319000" cy="852712"/>
-          </a:xfrm>
-        </p:spPr>
-        <p:txBody>
-          <a:bodyPr lIns="91440" tIns="91440" rIns="91440" bIns="91440" anchor="ctr"/>
-          <a:lstStyle>
-            <a:lvl1pPr>
-              <a:lnSpc>
-                <a:spcPct val="90000"/>
-              </a:lnSpc>
-              <a:defRPr sz="6400" b="1" spc="0" baseline="0">
-                <a:solidFill>
-                  <a:schemeClr val="accent1"/>
-                </a:solidFill>
-              </a:defRPr>
-            </a:lvl1pPr>
-          </a:lstStyle>
-          <a:p>
-            <a:r>
-              <a:rPr lang="en-US" dirty="0" smtClean="0"/>
-              <a:t>Problem</a:t>
-            </a:r>
-            <a:endParaRPr lang="en-US" dirty="0"/>
-          </a:p>
-        </p:txBody>
-      </p:sp>
-      <p:sp>
-        <p:nvSpPr>
-          <p:cNvPr id="10" name="Subtitle 2"/>
-          <p:cNvSpPr>
-            <a:spLocks noGrp="1"/>
-          </p:cNvSpPr>
-          <p:nvPr>
-            <p:ph type="subTitle" idx="1"/>
-          </p:nvPr>
-        </p:nvSpPr>
-        <p:spPr bwMode="white">
-          <a:xfrm>
-            <a:off x="1671638" y="3271838"/>
-            <a:ext cx="12319000" cy="3346421"/>
-          </a:xfrm>
-          <a:prstGeom prst="rect">
-            <a:avLst/>
-          </a:prstGeom>
-        </p:spPr>
-        <p:txBody>
-          <a:bodyPr lIns="91440" tIns="91440" rIns="91440" bIns="91440">
-            <a:noAutofit/>
-          </a:bodyPr>
-          <a:lstStyle>
-            <a:lvl1pPr marL="0" indent="0" algn="l">
-              <a:lnSpc>
-                <a:spcPct val="100000"/>
-              </a:lnSpc>
-              <a:spcBef>
-                <a:spcPts val="0"/>
-              </a:spcBef>
-              <a:buNone/>
-              <a:defRPr sz="2800" baseline="0">
-                <a:solidFill>
-                  <a:schemeClr val="accent3">
-                    <a:lumMod val="50000"/>
-                  </a:schemeClr>
-                </a:solidFill>
-              </a:defRPr>
-            </a:lvl1pPr>
-            <a:lvl2pPr marL="609561" indent="0" algn="ctr">
-              <a:buNone/>
-              <a:defRPr>
-                <a:solidFill>
-                  <a:schemeClr val="tx1">
-                    <a:tint val="75000"/>
-                  </a:schemeClr>
-                </a:solidFill>
-              </a:defRPr>
-            </a:lvl2pPr>
-            <a:lvl3pPr marL="1219120" indent="0" algn="ctr">
-              <a:buNone/>
-              <a:defRPr>
-                <a:solidFill>
-                  <a:schemeClr val="tx1">
-                    <a:tint val="75000"/>
-                  </a:schemeClr>
-                </a:solidFill>
-              </a:defRPr>
-            </a:lvl3pPr>
-            <a:lvl4pPr marL="1828681" indent="0" algn="ctr">
-              <a:buNone/>
-              <a:defRPr>
-                <a:solidFill>
-                  <a:schemeClr val="tx1">
-                    <a:tint val="75000"/>
-                  </a:schemeClr>
-                </a:solidFill>
-              </a:defRPr>
-            </a:lvl4pPr>
-            <a:lvl5pPr marL="2438242" indent="0" algn="ctr">
-              <a:buNone/>
-              <a:defRPr>
-                <a:solidFill>
-                  <a:schemeClr val="tx1">
-                    <a:tint val="75000"/>
-                  </a:schemeClr>
-                </a:solidFill>
-              </a:defRPr>
-            </a:lvl5pPr>
-            <a:lvl6pPr marL="3047802" indent="0" algn="ctr">
-              <a:buNone/>
-              <a:defRPr>
-                <a:solidFill>
-                  <a:schemeClr val="tx1">
-                    <a:tint val="75000"/>
-                  </a:schemeClr>
-                </a:solidFill>
-              </a:defRPr>
-            </a:lvl6pPr>
-            <a:lvl7pPr marL="3657362" indent="0" algn="ctr">
-              <a:buNone/>
-              <a:defRPr>
-                <a:solidFill>
-                  <a:schemeClr val="tx1">
-                    <a:tint val="75000"/>
-                  </a:schemeClr>
-                </a:solidFill>
-              </a:defRPr>
-            </a:lvl7pPr>
-            <a:lvl8pPr marL="4266923" indent="0" algn="ctr">
-              <a:buNone/>
-              <a:defRPr>
-                <a:solidFill>
-                  <a:schemeClr val="tx1">
-                    <a:tint val="75000"/>
-                  </a:schemeClr>
-                </a:solidFill>
-              </a:defRPr>
-            </a:lvl8pPr>
-            <a:lvl9pPr marL="4876483" indent="0" algn="ctr">
-              <a:buNone/>
-              <a:defRPr>
-                <a:solidFill>
-                  <a:schemeClr val="tx1">
-                    <a:tint val="75000"/>
-                  </a:schemeClr>
-                </a:solidFill>
-              </a:defRPr>
-            </a:lvl9pPr>
-          </a:lstStyle>
-          <a:p>
-            <a:r>
-              <a:rPr lang="en-US" dirty="0" smtClean="0"/>
-              <a:t>Click to edit Master subtitle style</a:t>
-            </a:r>
-          </a:p>
-        </p:txBody>
-      </p:sp>
-    </p:spTree>
-    <p:extLst>
-      <p:ext uri="{BB962C8B-B14F-4D97-AF65-F5344CB8AC3E}">
-        <p14:creationId xmlns:p14="http://schemas.microsoft.com/office/powerpoint/2010/main" val="247207333"/>
-      </p:ext>
-    </p:extLst>
-  </p:cSld>
-  <p:clrMapOvr>
-    <a:masterClrMapping/>
-  </p:clrMapOvr>
-  <p:transition spd="med">
-    <p:fade/>
-  </p:transition>
-</p:sldLayout>
-</file>
-
-<file path=ppt/slideLayouts/slideLayout16.xml><?xml version="1.0" encoding="utf-8"?>
-<p:sldLayout xmlns:a="http://schemas.openxmlformats.org/drawingml/2006/main" xmlns:r="http://schemas.openxmlformats.org/officeDocument/2006/relationships" xmlns:p="http://schemas.openxmlformats.org/presentationml/2006/main" preserve="1" userDrawn="1">
-  <p:cSld name="Docs">
-    <p:spTree>
-      <p:nvGrpSpPr>
-        <p:cNvPr id="1" name=""/>
-        <p:cNvGrpSpPr/>
-        <p:nvPr/>
-      </p:nvGrpSpPr>
-      <p:grpSpPr>
-        <a:xfrm>
-          <a:off x="0" y="0"/>
-          <a:ext cx="0" cy="0"/>
-          <a:chOff x="0" y="0"/>
-          <a:chExt cx="0" cy="0"/>
-        </a:xfrm>
-      </p:grpSpPr>
-      <p:sp>
-        <p:nvSpPr>
-          <p:cNvPr id="7" name="TextBox 6"/>
-          <p:cNvSpPr txBox="1"/>
-          <p:nvPr/>
-        </p:nvSpPr>
-        <p:spPr bwMode="white">
-          <a:xfrm>
-            <a:off x="136960" y="160072"/>
-            <a:ext cx="13917707" cy="2378219"/>
-          </a:xfrm>
-          <a:prstGeom prst="rect">
-            <a:avLst/>
-          </a:prstGeom>
-          <a:noFill/>
-          <a:ln>
-            <a:noFill/>
-          </a:ln>
-          <a:effectLst/>
-        </p:spPr>
-        <p:txBody>
-          <a:bodyPr lIns="121920" tIns="121920" rIns="121920" bIns="121920" anchor="ctr"/>
-          <a:lstStyle/>
-          <a:p>
-            <a:pPr defTabSz="1219120" fontAlgn="auto">
-              <a:spcBef>
-                <a:spcPts val="0"/>
-              </a:spcBef>
-              <a:spcAft>
-                <a:spcPts val="0"/>
-              </a:spcAft>
-              <a:defRPr/>
-            </a:pPr>
-            <a:r>
-              <a:rPr lang="en-US" sz="16933" dirty="0" smtClean="0">
-                <a:ln w="18415" cmpd="sng">
-                  <a:solidFill>
-                    <a:srgbClr val="FFFFFF"/>
-                  </a:solidFill>
-                  <a:prstDash val="solid"/>
-                </a:ln>
-                <a:solidFill>
-                  <a:schemeClr val="bg2">
-                    <a:lumMod val="95000"/>
-                    <a:alpha val="50000"/>
-                  </a:schemeClr>
-                </a:solidFill>
-                <a:latin typeface="+mn-lt"/>
-                <a:ea typeface="+mn-ea"/>
-                <a:cs typeface="+mn-cs"/>
-              </a:rPr>
-              <a:t>REFERENCE</a:t>
-            </a:r>
-            <a:endParaRPr lang="en-US" sz="16933" dirty="0">
-              <a:ln w="18415" cmpd="sng">
-                <a:solidFill>
-                  <a:srgbClr val="FFFFFF"/>
-                </a:solidFill>
-                <a:prstDash val="solid"/>
-              </a:ln>
-              <a:solidFill>
-                <a:schemeClr val="bg2">
-                  <a:lumMod val="95000"/>
-                  <a:alpha val="50000"/>
-                </a:schemeClr>
-              </a:solidFill>
-              <a:latin typeface="+mn-lt"/>
-              <a:ea typeface="+mn-ea"/>
-              <a:cs typeface="+mn-cs"/>
-            </a:endParaRPr>
-          </a:p>
-        </p:txBody>
-      </p:sp>
-      <p:pic>
-        <p:nvPicPr>
-          <p:cNvPr id="2" name="Picture 1" descr="reference.gif"/>
-          <p:cNvPicPr>
-            <a:picLocks noChangeAspect="1"/>
-          </p:cNvPicPr>
-          <p:nvPr userDrawn="1"/>
-        </p:nvPicPr>
-        <p:blipFill>
-          <a:blip r:embed="rId2">
-            <a:extLst>
-              <a:ext uri="{28A0092B-C50C-407E-A947-70E740481C1C}">
-                <a14:useLocalDpi xmlns:a14="http://schemas.microsoft.com/office/drawing/2010/main" val="0"/>
-              </a:ext>
-            </a:extLst>
-          </a:blip>
-          <a:stretch>
-            <a:fillRect/>
-          </a:stretch>
-        </p:blipFill>
-        <p:spPr>
-          <a:xfrm>
-            <a:off x="13383499" y="324724"/>
-            <a:ext cx="2189001" cy="2189001"/>
-          </a:xfrm>
-          <a:prstGeom prst="rect">
-            <a:avLst/>
-          </a:prstGeom>
-        </p:spPr>
-      </p:pic>
-      <p:sp>
-        <p:nvSpPr>
-          <p:cNvPr id="6" name="Title 1"/>
-          <p:cNvSpPr>
-            <a:spLocks noGrp="1"/>
-          </p:cNvSpPr>
-          <p:nvPr>
-            <p:ph type="ctrTitle" hasCustomPrompt="1"/>
-          </p:nvPr>
-        </p:nvSpPr>
-        <p:spPr bwMode="white">
-          <a:xfrm>
-            <a:off x="1671638" y="2294619"/>
-            <a:ext cx="12319000" cy="852712"/>
-          </a:xfrm>
-        </p:spPr>
-        <p:txBody>
-          <a:bodyPr lIns="91440" tIns="91440" rIns="91440" bIns="91440" anchor="ctr"/>
-          <a:lstStyle>
-            <a:lvl1pPr>
-              <a:lnSpc>
-                <a:spcPct val="90000"/>
-              </a:lnSpc>
-              <a:defRPr sz="6400" b="1" spc="0" baseline="0">
-                <a:solidFill>
-                  <a:schemeClr val="accent1"/>
-                </a:solidFill>
-              </a:defRPr>
-            </a:lvl1pPr>
-          </a:lstStyle>
-          <a:p>
-            <a:r>
-              <a:rPr lang="en-US" dirty="0" smtClean="0"/>
-              <a:t>Documentation</a:t>
-            </a:r>
-            <a:endParaRPr lang="en-US" dirty="0"/>
-          </a:p>
-        </p:txBody>
-      </p:sp>
-      <p:sp>
-        <p:nvSpPr>
-          <p:cNvPr id="12" name="Subtitle 2"/>
-          <p:cNvSpPr>
-            <a:spLocks noGrp="1"/>
-          </p:cNvSpPr>
-          <p:nvPr>
-            <p:ph type="subTitle" idx="1"/>
-          </p:nvPr>
-        </p:nvSpPr>
-        <p:spPr bwMode="white">
-          <a:xfrm>
-            <a:off x="1671638" y="3271838"/>
-            <a:ext cx="12319000" cy="3346421"/>
-          </a:xfrm>
-          <a:prstGeom prst="rect">
-            <a:avLst/>
-          </a:prstGeom>
-        </p:spPr>
-        <p:txBody>
-          <a:bodyPr lIns="91440" tIns="91440" rIns="91440" bIns="91440">
-            <a:noAutofit/>
-          </a:bodyPr>
-          <a:lstStyle>
-            <a:lvl1pPr marL="0" indent="0" algn="l">
-              <a:lnSpc>
-                <a:spcPct val="100000"/>
-              </a:lnSpc>
-              <a:spcBef>
-                <a:spcPts val="0"/>
-              </a:spcBef>
-              <a:buNone/>
-              <a:defRPr sz="2800" baseline="0">
-                <a:solidFill>
-                  <a:schemeClr val="accent3">
-                    <a:lumMod val="50000"/>
-                  </a:schemeClr>
-                </a:solidFill>
-              </a:defRPr>
-            </a:lvl1pPr>
-            <a:lvl2pPr marL="609561" indent="0" algn="ctr">
-              <a:buNone/>
-              <a:defRPr>
-                <a:solidFill>
-                  <a:schemeClr val="tx1">
-                    <a:tint val="75000"/>
-                  </a:schemeClr>
-                </a:solidFill>
-              </a:defRPr>
-            </a:lvl2pPr>
-            <a:lvl3pPr marL="1219120" indent="0" algn="ctr">
-              <a:buNone/>
-              <a:defRPr>
-                <a:solidFill>
-                  <a:schemeClr val="tx1">
-                    <a:tint val="75000"/>
-                  </a:schemeClr>
-                </a:solidFill>
-              </a:defRPr>
-            </a:lvl3pPr>
-            <a:lvl4pPr marL="1828681" indent="0" algn="ctr">
-              <a:buNone/>
-              <a:defRPr>
-                <a:solidFill>
-                  <a:schemeClr val="tx1">
-                    <a:tint val="75000"/>
-                  </a:schemeClr>
-                </a:solidFill>
-              </a:defRPr>
-            </a:lvl4pPr>
-            <a:lvl5pPr marL="2438242" indent="0" algn="ctr">
-              <a:buNone/>
-              <a:defRPr>
-                <a:solidFill>
-                  <a:schemeClr val="tx1">
-                    <a:tint val="75000"/>
-                  </a:schemeClr>
-                </a:solidFill>
-              </a:defRPr>
-            </a:lvl5pPr>
-            <a:lvl6pPr marL="3047802" indent="0" algn="ctr">
-              <a:buNone/>
-              <a:defRPr>
-                <a:solidFill>
-                  <a:schemeClr val="tx1">
-                    <a:tint val="75000"/>
-                  </a:schemeClr>
-                </a:solidFill>
-              </a:defRPr>
-            </a:lvl6pPr>
-            <a:lvl7pPr marL="3657362" indent="0" algn="ctr">
-              <a:buNone/>
-              <a:defRPr>
-                <a:solidFill>
-                  <a:schemeClr val="tx1">
-                    <a:tint val="75000"/>
-                  </a:schemeClr>
-                </a:solidFill>
-              </a:defRPr>
-            </a:lvl7pPr>
-            <a:lvl8pPr marL="4266923" indent="0" algn="ctr">
-              <a:buNone/>
-              <a:defRPr>
-                <a:solidFill>
-                  <a:schemeClr val="tx1">
-                    <a:tint val="75000"/>
-                  </a:schemeClr>
-                </a:solidFill>
-              </a:defRPr>
-            </a:lvl8pPr>
-            <a:lvl9pPr marL="4876483" indent="0" algn="ctr">
-              <a:buNone/>
-              <a:defRPr>
-                <a:solidFill>
-                  <a:schemeClr val="tx1">
-                    <a:tint val="75000"/>
-                  </a:schemeClr>
-                </a:solidFill>
-              </a:defRPr>
-            </a:lvl9pPr>
-          </a:lstStyle>
-          <a:p>
-            <a:r>
-              <a:rPr lang="en-US" dirty="0" smtClean="0"/>
-              <a:t>Click to edit Master subtitle style</a:t>
-            </a:r>
-          </a:p>
-        </p:txBody>
-      </p:sp>
-      <p:sp>
-        <p:nvSpPr>
-          <p:cNvPr id="10" name="Content Placeholder 3"/>
-          <p:cNvSpPr>
-            <a:spLocks noGrp="1"/>
-          </p:cNvSpPr>
-          <p:nvPr>
-            <p:ph sz="quarter" idx="13" hasCustomPrompt="1"/>
-          </p:nvPr>
-        </p:nvSpPr>
-        <p:spPr>
-          <a:xfrm>
-            <a:off x="3921498" y="7164200"/>
-            <a:ext cx="8917577" cy="524133"/>
-          </a:xfrm>
-          <a:prstGeom prst="rect">
-            <a:avLst/>
-          </a:prstGeom>
-        </p:spPr>
-        <p:txBody>
-          <a:bodyPr anchor="ctr"/>
-          <a:lstStyle>
-            <a:lvl1pPr marL="0" indent="0" algn="ctr">
-              <a:buNone/>
-              <a:defRPr sz="2400">
-                <a:solidFill>
-                  <a:schemeClr val="tx1"/>
-                </a:solidFill>
-              </a:defRPr>
-            </a:lvl1pPr>
-          </a:lstStyle>
-          <a:p>
-            <a:pPr lvl="0"/>
-            <a:r>
-              <a:rPr lang="en-US" dirty="0" smtClean="0"/>
-              <a:t>http://</a:t>
-            </a:r>
-            <a:r>
-              <a:rPr lang="en-US" dirty="0" err="1" smtClean="0"/>
-              <a:t>docs.chef.io</a:t>
-            </a:r>
-            <a:endParaRPr lang="en-US" dirty="0" smtClean="0"/>
-          </a:p>
-        </p:txBody>
-      </p:sp>
-    </p:spTree>
-    <p:extLst>
-      <p:ext uri="{BB962C8B-B14F-4D97-AF65-F5344CB8AC3E}">
-        <p14:creationId xmlns:p14="http://schemas.microsoft.com/office/powerpoint/2010/main" val="1970238568"/>
-      </p:ext>
-    </p:extLst>
-  </p:cSld>
-  <p:clrMapOvr>
-    <a:masterClrMapping/>
-  </p:clrMapOvr>
-  <p:transition spd="med">
-    <p:fade/>
-  </p:transition>
-</p:sldLayout>
-</file>
-
-<file path=ppt/slideLayouts/slideLayout17.xml><?xml version="1.0" encoding="utf-8"?>
-<p:sldLayout xmlns:a="http://schemas.openxmlformats.org/drawingml/2006/main" xmlns:r="http://schemas.openxmlformats.org/officeDocument/2006/relationships" xmlns:p="http://schemas.openxmlformats.org/presentationml/2006/main" preserve="1" userDrawn="1">
-  <p:cSld name="Concept">
-    <p:spTree>
-      <p:nvGrpSpPr>
-        <p:cNvPr id="1" name=""/>
-        <p:cNvGrpSpPr/>
-        <p:nvPr/>
-      </p:nvGrpSpPr>
-      <p:grpSpPr>
-        <a:xfrm>
-          <a:off x="0" y="0"/>
-          <a:ext cx="0" cy="0"/>
-          <a:chOff x="0" y="0"/>
-          <a:chExt cx="0" cy="0"/>
-        </a:xfrm>
-      </p:grpSpPr>
-      <p:sp>
-        <p:nvSpPr>
-          <p:cNvPr id="5" name="TextBox 4"/>
-          <p:cNvSpPr txBox="1"/>
-          <p:nvPr/>
-        </p:nvSpPr>
-        <p:spPr bwMode="white">
-          <a:xfrm>
-            <a:off x="136961" y="144390"/>
-            <a:ext cx="11554287" cy="2378219"/>
-          </a:xfrm>
-          <a:prstGeom prst="rect">
-            <a:avLst/>
-          </a:prstGeom>
-          <a:noFill/>
-          <a:ln>
-            <a:noFill/>
-          </a:ln>
-          <a:effectLst/>
-        </p:spPr>
-        <p:txBody>
-          <a:bodyPr lIns="121920" tIns="121920" rIns="121920" bIns="121920" anchor="ctr"/>
-          <a:lstStyle/>
-          <a:p>
-            <a:pPr defTabSz="1219120" fontAlgn="auto">
-              <a:spcBef>
-                <a:spcPts val="0"/>
-              </a:spcBef>
-              <a:spcAft>
-                <a:spcPts val="0"/>
-              </a:spcAft>
-              <a:defRPr/>
-            </a:pPr>
-            <a:r>
-              <a:rPr lang="en-US" sz="16933" dirty="0">
-                <a:ln w="18415" cmpd="sng">
-                  <a:solidFill>
-                    <a:srgbClr val="FFFFFF"/>
-                  </a:solidFill>
-                  <a:prstDash val="solid"/>
-                </a:ln>
-                <a:solidFill>
-                  <a:schemeClr val="bg2">
-                    <a:lumMod val="95000"/>
-                    <a:alpha val="50000"/>
-                  </a:schemeClr>
-                </a:solidFill>
-                <a:latin typeface="+mn-lt"/>
-                <a:ea typeface="+mn-ea"/>
-                <a:cs typeface="+mn-cs"/>
-              </a:rPr>
-              <a:t>CONCEPT</a:t>
-            </a:r>
-          </a:p>
-        </p:txBody>
-      </p:sp>
-      <p:pic>
-        <p:nvPicPr>
-          <p:cNvPr id="2" name="Picture 1" descr="concept.gif"/>
-          <p:cNvPicPr>
-            <a:picLocks noChangeAspect="1"/>
-          </p:cNvPicPr>
-          <p:nvPr userDrawn="1"/>
-        </p:nvPicPr>
-        <p:blipFill>
-          <a:blip r:embed="rId2">
-            <a:extLst>
-              <a:ext uri="{28A0092B-C50C-407E-A947-70E740481C1C}">
-                <a14:useLocalDpi xmlns:a14="http://schemas.microsoft.com/office/drawing/2010/main" val="0"/>
-              </a:ext>
-            </a:extLst>
-          </a:blip>
-          <a:stretch>
-            <a:fillRect/>
-          </a:stretch>
-        </p:blipFill>
-        <p:spPr>
-          <a:xfrm>
-            <a:off x="13119426" y="324724"/>
-            <a:ext cx="2717146" cy="2189001"/>
-          </a:xfrm>
-          <a:prstGeom prst="rect">
-            <a:avLst/>
-          </a:prstGeom>
-        </p:spPr>
-      </p:pic>
-      <p:sp>
-        <p:nvSpPr>
-          <p:cNvPr id="6" name="Title 1"/>
-          <p:cNvSpPr>
-            <a:spLocks noGrp="1"/>
-          </p:cNvSpPr>
-          <p:nvPr>
-            <p:ph type="ctrTitle" hasCustomPrompt="1"/>
-          </p:nvPr>
-        </p:nvSpPr>
-        <p:spPr bwMode="white">
-          <a:xfrm>
-            <a:off x="1671638" y="2294619"/>
-            <a:ext cx="12319000" cy="852712"/>
-          </a:xfrm>
-        </p:spPr>
-        <p:txBody>
-          <a:bodyPr lIns="91440" tIns="91440" rIns="91440" bIns="91440" anchor="ctr"/>
-          <a:lstStyle>
-            <a:lvl1pPr>
-              <a:lnSpc>
-                <a:spcPct val="90000"/>
-              </a:lnSpc>
-              <a:defRPr sz="6400" b="1" spc="0" baseline="0">
-                <a:solidFill>
-                  <a:schemeClr val="accent1"/>
-                </a:solidFill>
-              </a:defRPr>
-            </a:lvl1pPr>
-          </a:lstStyle>
-          <a:p>
-            <a:r>
-              <a:rPr lang="en-US" dirty="0" smtClean="0"/>
-              <a:t>Concept</a:t>
-            </a:r>
-            <a:endParaRPr lang="en-US" dirty="0"/>
-          </a:p>
-        </p:txBody>
-      </p:sp>
-      <p:sp>
-        <p:nvSpPr>
-          <p:cNvPr id="10" name="Subtitle 2"/>
-          <p:cNvSpPr>
-            <a:spLocks noGrp="1"/>
-          </p:cNvSpPr>
-          <p:nvPr>
-            <p:ph type="subTitle" idx="1"/>
-          </p:nvPr>
-        </p:nvSpPr>
-        <p:spPr bwMode="white">
-          <a:xfrm>
-            <a:off x="1671638" y="3271838"/>
-            <a:ext cx="12319000" cy="3346421"/>
-          </a:xfrm>
-          <a:prstGeom prst="rect">
-            <a:avLst/>
-          </a:prstGeom>
-        </p:spPr>
-        <p:txBody>
-          <a:bodyPr lIns="91440" tIns="91440" rIns="91440" bIns="91440">
-            <a:noAutofit/>
-          </a:bodyPr>
-          <a:lstStyle>
-            <a:lvl1pPr marL="0" indent="0" algn="l">
-              <a:lnSpc>
-                <a:spcPct val="100000"/>
-              </a:lnSpc>
-              <a:spcBef>
-                <a:spcPts val="0"/>
-              </a:spcBef>
-              <a:buNone/>
-              <a:defRPr sz="2800" baseline="0">
-                <a:solidFill>
-                  <a:schemeClr val="accent3">
-                    <a:lumMod val="50000"/>
-                  </a:schemeClr>
-                </a:solidFill>
-              </a:defRPr>
-            </a:lvl1pPr>
-            <a:lvl2pPr marL="609561" indent="0" algn="ctr">
-              <a:buNone/>
-              <a:defRPr>
-                <a:solidFill>
-                  <a:schemeClr val="tx1">
-                    <a:tint val="75000"/>
-                  </a:schemeClr>
-                </a:solidFill>
-              </a:defRPr>
-            </a:lvl2pPr>
-            <a:lvl3pPr marL="1219120" indent="0" algn="ctr">
-              <a:buNone/>
-              <a:defRPr>
-                <a:solidFill>
-                  <a:schemeClr val="tx1">
-                    <a:tint val="75000"/>
-                  </a:schemeClr>
-                </a:solidFill>
-              </a:defRPr>
-            </a:lvl3pPr>
-            <a:lvl4pPr marL="1828681" indent="0" algn="ctr">
-              <a:buNone/>
-              <a:defRPr>
-                <a:solidFill>
-                  <a:schemeClr val="tx1">
-                    <a:tint val="75000"/>
-                  </a:schemeClr>
-                </a:solidFill>
-              </a:defRPr>
-            </a:lvl4pPr>
-            <a:lvl5pPr marL="2438242" indent="0" algn="ctr">
-              <a:buNone/>
-              <a:defRPr>
-                <a:solidFill>
-                  <a:schemeClr val="tx1">
-                    <a:tint val="75000"/>
-                  </a:schemeClr>
-                </a:solidFill>
-              </a:defRPr>
-            </a:lvl5pPr>
-            <a:lvl6pPr marL="3047802" indent="0" algn="ctr">
-              <a:buNone/>
-              <a:defRPr>
-                <a:solidFill>
-                  <a:schemeClr val="tx1">
-                    <a:tint val="75000"/>
-                  </a:schemeClr>
-                </a:solidFill>
-              </a:defRPr>
-            </a:lvl6pPr>
-            <a:lvl7pPr marL="3657362" indent="0" algn="ctr">
-              <a:buNone/>
-              <a:defRPr>
-                <a:solidFill>
-                  <a:schemeClr val="tx1">
-                    <a:tint val="75000"/>
-                  </a:schemeClr>
-                </a:solidFill>
-              </a:defRPr>
-            </a:lvl7pPr>
-            <a:lvl8pPr marL="4266923" indent="0" algn="ctr">
-              <a:buNone/>
-              <a:defRPr>
-                <a:solidFill>
-                  <a:schemeClr val="tx1">
-                    <a:tint val="75000"/>
-                  </a:schemeClr>
-                </a:solidFill>
-              </a:defRPr>
-            </a:lvl8pPr>
-            <a:lvl9pPr marL="4876483" indent="0" algn="ctr">
-              <a:buNone/>
-              <a:defRPr>
-                <a:solidFill>
-                  <a:schemeClr val="tx1">
-                    <a:tint val="75000"/>
-                  </a:schemeClr>
-                </a:solidFill>
-              </a:defRPr>
-            </a:lvl9pPr>
-          </a:lstStyle>
-          <a:p>
-            <a:r>
-              <a:rPr lang="en-US" dirty="0" smtClean="0"/>
-              <a:t>Click to edit Master subtitle style</a:t>
-            </a:r>
-          </a:p>
-        </p:txBody>
-      </p:sp>
-    </p:spTree>
-    <p:extLst>
-      <p:ext uri="{BB962C8B-B14F-4D97-AF65-F5344CB8AC3E}">
-        <p14:creationId xmlns:p14="http://schemas.microsoft.com/office/powerpoint/2010/main" val="1995748560"/>
+        <p14:creationId xmlns:p14="http://schemas.microsoft.com/office/powerpoint/2010/main" val="1211677136"/>
       </p:ext>
     </p:extLst>
   </p:cSld>
@@ -8348,427 +8348,6 @@
 </file>
 
 <file path=ppt/slideLayouts/slideLayout18.xml><?xml version="1.0" encoding="utf-8"?>
-<p:sldLayout xmlns:a="http://schemas.openxmlformats.org/drawingml/2006/main" xmlns:r="http://schemas.openxmlformats.org/officeDocument/2006/relationships" xmlns:p="http://schemas.openxmlformats.org/presentationml/2006/main" preserve="1" userDrawn="1">
-  <p:cSld name="Group Exercise">
-    <p:spTree>
-      <p:nvGrpSpPr>
-        <p:cNvPr id="1" name=""/>
-        <p:cNvGrpSpPr/>
-        <p:nvPr/>
-      </p:nvGrpSpPr>
-      <p:grpSpPr>
-        <a:xfrm>
-          <a:off x="0" y="0"/>
-          <a:ext cx="0" cy="0"/>
-          <a:chOff x="0" y="0"/>
-          <a:chExt cx="0" cy="0"/>
-        </a:xfrm>
-      </p:grpSpPr>
-      <p:sp>
-        <p:nvSpPr>
-          <p:cNvPr id="7" name="TextBox 6"/>
-          <p:cNvSpPr txBox="1"/>
-          <p:nvPr userDrawn="1"/>
-        </p:nvSpPr>
-        <p:spPr bwMode="white">
-          <a:xfrm>
-            <a:off x="136960" y="144390"/>
-            <a:ext cx="12628487" cy="2378219"/>
-          </a:xfrm>
-          <a:prstGeom prst="rect">
-            <a:avLst/>
-          </a:prstGeom>
-          <a:noFill/>
-          <a:ln>
-            <a:noFill/>
-          </a:ln>
-          <a:effectLst/>
-        </p:spPr>
-        <p:txBody>
-          <a:bodyPr lIns="121920" tIns="121920" rIns="121920" bIns="121920" anchor="ctr"/>
-          <a:lstStyle/>
-          <a:p>
-            <a:pPr defTabSz="1219120" fontAlgn="auto">
-              <a:spcBef>
-                <a:spcPts val="0"/>
-              </a:spcBef>
-              <a:spcAft>
-                <a:spcPts val="0"/>
-              </a:spcAft>
-              <a:defRPr/>
-            </a:pPr>
-            <a:r>
-              <a:rPr lang="en-US" sz="16933" dirty="0">
-                <a:ln w="18415" cmpd="sng">
-                  <a:solidFill>
-                    <a:srgbClr val="FFFFFF"/>
-                  </a:solidFill>
-                  <a:prstDash val="solid"/>
-                </a:ln>
-                <a:solidFill>
-                  <a:schemeClr val="bg2">
-                    <a:lumMod val="95000"/>
-                    <a:alpha val="50000"/>
-                  </a:schemeClr>
-                </a:solidFill>
-                <a:latin typeface="+mn-lt"/>
-                <a:ea typeface="+mn-ea"/>
-                <a:cs typeface="+mn-cs"/>
-              </a:rPr>
-              <a:t>EXERCISE</a:t>
-            </a:r>
-          </a:p>
-        </p:txBody>
-      </p:sp>
-      <p:pic>
-        <p:nvPicPr>
-          <p:cNvPr id="3" name="Picture 2" descr="chef.gif"/>
-          <p:cNvPicPr>
-            <a:picLocks noChangeAspect="1"/>
-          </p:cNvPicPr>
-          <p:nvPr userDrawn="1"/>
-        </p:nvPicPr>
-        <p:blipFill>
-          <a:blip r:embed="rId2">
-            <a:extLst>
-              <a:ext uri="{28A0092B-C50C-407E-A947-70E740481C1C}">
-                <a14:useLocalDpi xmlns:a14="http://schemas.microsoft.com/office/drawing/2010/main" val="0"/>
-              </a:ext>
-            </a:extLst>
-          </a:blip>
-          <a:stretch>
-            <a:fillRect/>
-          </a:stretch>
-        </p:blipFill>
-        <p:spPr>
-          <a:xfrm>
-            <a:off x="13399010" y="324724"/>
-            <a:ext cx="2157980" cy="2189001"/>
-          </a:xfrm>
-          <a:prstGeom prst="rect">
-            <a:avLst/>
-          </a:prstGeom>
-        </p:spPr>
-      </p:pic>
-      <p:sp>
-        <p:nvSpPr>
-          <p:cNvPr id="6" name="Title 1"/>
-          <p:cNvSpPr>
-            <a:spLocks noGrp="1"/>
-          </p:cNvSpPr>
-          <p:nvPr>
-            <p:ph type="ctrTitle" hasCustomPrompt="1"/>
-          </p:nvPr>
-        </p:nvSpPr>
-        <p:spPr bwMode="white">
-          <a:xfrm>
-            <a:off x="1671637" y="2292126"/>
-            <a:ext cx="12319001" cy="852712"/>
-          </a:xfrm>
-        </p:spPr>
-        <p:txBody>
-          <a:bodyPr lIns="91440" tIns="91440" rIns="91440" bIns="91440" anchor="ctr"/>
-          <a:lstStyle>
-            <a:lvl1pPr>
-              <a:lnSpc>
-                <a:spcPct val="90000"/>
-              </a:lnSpc>
-              <a:defRPr sz="6400" b="1" spc="0" baseline="0">
-                <a:solidFill>
-                  <a:schemeClr val="accent1"/>
-                </a:solidFill>
-              </a:defRPr>
-            </a:lvl1pPr>
-          </a:lstStyle>
-          <a:p>
-            <a:r>
-              <a:rPr lang="en-US" dirty="0" smtClean="0"/>
-              <a:t>Group Exercise</a:t>
-            </a:r>
-            <a:endParaRPr lang="en-US" dirty="0"/>
-          </a:p>
-        </p:txBody>
-      </p:sp>
-      <p:sp>
-        <p:nvSpPr>
-          <p:cNvPr id="13" name="Content Placeholder 12"/>
-          <p:cNvSpPr>
-            <a:spLocks noGrp="1"/>
-          </p:cNvSpPr>
-          <p:nvPr>
-            <p:ph sz="quarter" idx="11"/>
-          </p:nvPr>
-        </p:nvSpPr>
-        <p:spPr>
-          <a:xfrm>
-            <a:off x="1671638" y="3260725"/>
-            <a:ext cx="12319000" cy="1528233"/>
-          </a:xfrm>
-          <a:prstGeom prst="rect">
-            <a:avLst/>
-          </a:prstGeom>
-        </p:spPr>
-        <p:txBody>
-          <a:bodyPr anchor="ctr">
-            <a:normAutofit/>
-          </a:bodyPr>
-          <a:lstStyle>
-            <a:lvl1pPr marL="121917" indent="0">
-              <a:spcBef>
-                <a:spcPts val="800"/>
-              </a:spcBef>
-              <a:buNone/>
-              <a:defRPr sz="2800" i="1" baseline="0">
-                <a:solidFill>
-                  <a:schemeClr val="bg1">
-                    <a:lumMod val="50000"/>
-                  </a:schemeClr>
-                </a:solidFill>
-              </a:defRPr>
-            </a:lvl1pPr>
-          </a:lstStyle>
-          <a:p>
-            <a:pPr lvl="0"/>
-            <a:r>
-              <a:rPr lang="en-US" dirty="0" smtClean="0"/>
-              <a:t>Click to edit Master text styles</a:t>
-            </a:r>
-          </a:p>
-        </p:txBody>
-      </p:sp>
-      <p:sp>
-        <p:nvSpPr>
-          <p:cNvPr id="10" name="TextBox 11"/>
-          <p:cNvSpPr txBox="1">
-            <a:spLocks noChangeArrowheads="1"/>
-          </p:cNvSpPr>
-          <p:nvPr/>
-        </p:nvSpPr>
-        <p:spPr bwMode="white">
-          <a:xfrm>
-            <a:off x="1671638" y="4917547"/>
-            <a:ext cx="11777663" cy="785812"/>
-          </a:xfrm>
-          <a:prstGeom prst="rect">
-            <a:avLst/>
-          </a:prstGeom>
-          <a:noFill/>
-          <a:ln>
-            <a:noFill/>
-          </a:ln>
-          <a:extLst>
-            <a:ext uri="{909E8E84-426E-40dd-AFC4-6F175D3DCCD1}">
-              <a14:hiddenFill xmlns="" xmlns:a14="http://schemas.microsoft.com/office/drawing/2010/main">
-                <a:solidFill>
-                  <a:srgbClr val="FFFFFF"/>
-                </a:solidFill>
-              </a14:hiddenFill>
-            </a:ext>
-            <a:ext uri="{91240B29-F687-4f45-9708-019B960494DF}">
-              <a14:hiddenLine xmlns="" xmlns:a14="http://schemas.microsoft.com/office/drawing/2010/main" w="9525">
-                <a:solidFill>
-                  <a:srgbClr val="000000"/>
-                </a:solidFill>
-                <a:miter lim="800000"/>
-                <a:headEnd/>
-                <a:tailEnd/>
-              </a14:hiddenLine>
-            </a:ext>
-          </a:extLst>
-        </p:spPr>
-        <p:txBody>
-          <a:bodyPr lIns="121920" tIns="121920" rIns="121920" bIns="121920"/>
-          <a:lstStyle>
-            <a:lvl1pPr>
-              <a:defRPr sz="2400">
-                <a:solidFill>
-                  <a:schemeClr val="tx1"/>
-                </a:solidFill>
-                <a:latin typeface="Arial" charset="0"/>
-                <a:ea typeface="ＭＳ Ｐゴシック" charset="0"/>
-                <a:cs typeface="ＭＳ Ｐゴシック" charset="0"/>
-              </a:defRPr>
-            </a:lvl1pPr>
-            <a:lvl2pPr marL="742950" indent="-285750">
-              <a:defRPr sz="2400">
-                <a:solidFill>
-                  <a:schemeClr val="tx1"/>
-                </a:solidFill>
-                <a:latin typeface="Arial" charset="0"/>
-                <a:ea typeface="ＭＳ Ｐゴシック" charset="0"/>
-              </a:defRPr>
-            </a:lvl2pPr>
-            <a:lvl3pPr marL="1143000" indent="-228600">
-              <a:defRPr sz="2400">
-                <a:solidFill>
-                  <a:schemeClr val="tx1"/>
-                </a:solidFill>
-                <a:latin typeface="Arial" charset="0"/>
-                <a:ea typeface="ＭＳ Ｐゴシック" charset="0"/>
-              </a:defRPr>
-            </a:lvl3pPr>
-            <a:lvl4pPr marL="1600200" indent="-228600">
-              <a:defRPr sz="2400">
-                <a:solidFill>
-                  <a:schemeClr val="tx1"/>
-                </a:solidFill>
-                <a:latin typeface="Arial" charset="0"/>
-                <a:ea typeface="ＭＳ Ｐゴシック" charset="0"/>
-              </a:defRPr>
-            </a:lvl4pPr>
-            <a:lvl5pPr marL="2057400" indent="-228600">
-              <a:defRPr sz="2400">
-                <a:solidFill>
-                  <a:schemeClr val="tx1"/>
-                </a:solidFill>
-                <a:latin typeface="Arial" charset="0"/>
-                <a:ea typeface="ＭＳ Ｐゴシック" charset="0"/>
-              </a:defRPr>
-            </a:lvl5pPr>
-            <a:lvl6pPr marL="2514600" indent="-228600" defTabSz="1217613" fontAlgn="base">
-              <a:spcBef>
-                <a:spcPct val="0"/>
-              </a:spcBef>
-              <a:spcAft>
-                <a:spcPct val="0"/>
-              </a:spcAft>
-              <a:defRPr sz="2400">
-                <a:solidFill>
-                  <a:schemeClr val="tx1"/>
-                </a:solidFill>
-                <a:latin typeface="Arial" charset="0"/>
-                <a:ea typeface="ＭＳ Ｐゴシック" charset="0"/>
-              </a:defRPr>
-            </a:lvl6pPr>
-            <a:lvl7pPr marL="2971800" indent="-228600" defTabSz="1217613" fontAlgn="base">
-              <a:spcBef>
-                <a:spcPct val="0"/>
-              </a:spcBef>
-              <a:spcAft>
-                <a:spcPct val="0"/>
-              </a:spcAft>
-              <a:defRPr sz="2400">
-                <a:solidFill>
-                  <a:schemeClr val="tx1"/>
-                </a:solidFill>
-                <a:latin typeface="Arial" charset="0"/>
-                <a:ea typeface="ＭＳ Ｐゴシック" charset="0"/>
-              </a:defRPr>
-            </a:lvl7pPr>
-            <a:lvl8pPr marL="3429000" indent="-228600" defTabSz="1217613" fontAlgn="base">
-              <a:spcBef>
-                <a:spcPct val="0"/>
-              </a:spcBef>
-              <a:spcAft>
-                <a:spcPct val="0"/>
-              </a:spcAft>
-              <a:defRPr sz="2400">
-                <a:solidFill>
-                  <a:schemeClr val="tx1"/>
-                </a:solidFill>
-                <a:latin typeface="Arial" charset="0"/>
-                <a:ea typeface="ＭＳ Ｐゴシック" charset="0"/>
-              </a:defRPr>
-            </a:lvl8pPr>
-            <a:lvl9pPr marL="3886200" indent="-228600" defTabSz="1217613" fontAlgn="base">
-              <a:spcBef>
-                <a:spcPct val="0"/>
-              </a:spcBef>
-              <a:spcAft>
-                <a:spcPct val="0"/>
-              </a:spcAft>
-              <a:defRPr sz="2400">
-                <a:solidFill>
-                  <a:schemeClr val="tx1"/>
-                </a:solidFill>
-                <a:latin typeface="Arial" charset="0"/>
-                <a:ea typeface="ＭＳ Ｐゴシック" charset="0"/>
-              </a:defRPr>
-            </a:lvl9pPr>
-          </a:lstStyle>
-          <a:p>
-            <a:r>
-              <a:rPr lang="en-US" sz="3200" b="1" dirty="0"/>
-              <a:t>Objective:</a:t>
-            </a:r>
-          </a:p>
-        </p:txBody>
-      </p:sp>
-      <p:sp>
-        <p:nvSpPr>
-          <p:cNvPr id="9" name="Text Placeholder 8"/>
-          <p:cNvSpPr>
-            <a:spLocks noGrp="1"/>
-          </p:cNvSpPr>
-          <p:nvPr>
-            <p:ph type="body" sz="quarter" idx="10"/>
-          </p:nvPr>
-        </p:nvSpPr>
-        <p:spPr>
-          <a:xfrm>
-            <a:off x="1671638" y="5650764"/>
-            <a:ext cx="12319000" cy="2445486"/>
-          </a:xfrm>
-          <a:prstGeom prst="rect">
-            <a:avLst/>
-          </a:prstGeom>
-        </p:spPr>
-        <p:txBody>
-          <a:bodyPr/>
-          <a:lstStyle>
-            <a:lvl1pPr marL="0" indent="0">
-              <a:buFont typeface="Wingdings" charset="2"/>
-              <a:buNone/>
-              <a:defRPr sz="2400" baseline="0"/>
-            </a:lvl1pPr>
-          </a:lstStyle>
-          <a:p>
-            <a:pPr lvl="0"/>
-            <a:r>
-              <a:rPr lang="en-US" dirty="0" smtClean="0"/>
-              <a:t>Click to edit Master text styles</a:t>
-            </a:r>
-          </a:p>
-          <a:p>
-            <a:pPr lvl="1"/>
-            <a:r>
-              <a:rPr lang="en-US" dirty="0" smtClean="0"/>
-              <a:t>Second level</a:t>
-            </a:r>
-          </a:p>
-          <a:p>
-            <a:pPr lvl="2"/>
-            <a:r>
-              <a:rPr lang="en-US" dirty="0" smtClean="0"/>
-              <a:t>Third level</a:t>
-            </a:r>
-          </a:p>
-          <a:p>
-            <a:pPr lvl="3"/>
-            <a:r>
-              <a:rPr lang="en-US" dirty="0" smtClean="0"/>
-              <a:t>Fourth level</a:t>
-            </a:r>
-          </a:p>
-        </p:txBody>
-      </p:sp>
-    </p:spTree>
-    <p:extLst>
-      <p:ext uri="{BB962C8B-B14F-4D97-AF65-F5344CB8AC3E}">
-        <p14:creationId xmlns:p14="http://schemas.microsoft.com/office/powerpoint/2010/main" val="1211677136"/>
-      </p:ext>
-    </p:extLst>
-  </p:cSld>
-  <p:clrMapOvr>
-    <a:masterClrMapping/>
-  </p:clrMapOvr>
-  <p:transition spd="med">
-    <p:fade/>
-  </p:transition>
-</p:sldLayout>
-</file>
-
-<file path=ppt/slideLayouts/slideLayout19.xml><?xml version="1.0" encoding="utf-8"?>
 <p:sldLayout xmlns:a="http://schemas.openxmlformats.org/drawingml/2006/main" xmlns:r="http://schemas.openxmlformats.org/officeDocument/2006/relationships" xmlns:p="http://schemas.openxmlformats.org/presentationml/2006/main" preserve="1" userDrawn="1">
   <p:cSld name="Lab">
     <p:spTree>
@@ -9056,184 +8635,7 @@
 </p:sldLayout>
 </file>
 
-<file path=ppt/slideLayouts/slideLayout2.xml><?xml version="1.0" encoding="utf-8"?>
-<p:sldLayout xmlns:a="http://schemas.openxmlformats.org/drawingml/2006/main" xmlns:r="http://schemas.openxmlformats.org/officeDocument/2006/relationships" xmlns:p="http://schemas.openxmlformats.org/presentationml/2006/main" preserve="1" userDrawn="1">
-  <p:cSld name="Standard">
-    <p:bg>
-      <p:bgPr>
-        <a:gradFill rotWithShape="0">
-          <a:gsLst>
-            <a:gs pos="0">
-              <a:schemeClr val="bg1"/>
-            </a:gs>
-            <a:gs pos="100000">
-              <a:schemeClr val="bg2"/>
-            </a:gs>
-          </a:gsLst>
-          <a:lin ang="5400000" scaled="1"/>
-        </a:gradFill>
-        <a:effectLst/>
-      </p:bgPr>
-    </p:bg>
-    <p:spTree>
-      <p:nvGrpSpPr>
-        <p:cNvPr id="1" name=""/>
-        <p:cNvGrpSpPr/>
-        <p:nvPr/>
-      </p:nvGrpSpPr>
-      <p:grpSpPr>
-        <a:xfrm>
-          <a:off x="0" y="0"/>
-          <a:ext cx="0" cy="0"/>
-          <a:chOff x="0" y="0"/>
-          <a:chExt cx="0" cy="0"/>
-        </a:xfrm>
-      </p:grpSpPr>
-      <p:sp>
-        <p:nvSpPr>
-          <p:cNvPr id="13" name="Title 12"/>
-          <p:cNvSpPr>
-            <a:spLocks noGrp="1"/>
-          </p:cNvSpPr>
-          <p:nvPr>
-            <p:ph type="title"/>
-          </p:nvPr>
-        </p:nvSpPr>
-        <p:spPr/>
-        <p:txBody>
-          <a:bodyPr/>
-          <a:lstStyle/>
-          <a:p>
-            <a:r>
-              <a:rPr lang="en-US" smtClean="0"/>
-              <a:t>Click to edit Master title style</a:t>
-            </a:r>
-            <a:endParaRPr lang="en-US" dirty="0"/>
-          </a:p>
-        </p:txBody>
-      </p:sp>
-      <p:sp>
-        <p:nvSpPr>
-          <p:cNvPr id="17" name="Text Placeholder 4"/>
-          <p:cNvSpPr>
-            <a:spLocks noGrp="1"/>
-          </p:cNvSpPr>
-          <p:nvPr>
-            <p:ph type="body" sz="quarter" idx="12"/>
-          </p:nvPr>
-        </p:nvSpPr>
-        <p:spPr>
-          <a:xfrm>
-            <a:off x="650040" y="1856198"/>
-            <a:ext cx="14898624" cy="5345953"/>
-          </a:xfrm>
-        </p:spPr>
-        <p:txBody>
-          <a:bodyPr>
-            <a:noAutofit/>
-          </a:bodyPr>
-          <a:lstStyle>
-            <a:lvl1pPr>
-              <a:spcAft>
-                <a:spcPts val="800"/>
-              </a:spcAft>
-              <a:defRPr baseline="0">
-                <a:solidFill>
-                  <a:schemeClr val="accent3">
-                    <a:lumMod val="50000"/>
-                  </a:schemeClr>
-                </a:solidFill>
-              </a:defRPr>
-            </a:lvl1pPr>
-            <a:lvl2pPr>
-              <a:spcAft>
-                <a:spcPts val="800"/>
-              </a:spcAft>
-              <a:defRPr baseline="0">
-                <a:solidFill>
-                  <a:schemeClr val="accent3">
-                    <a:lumMod val="50000"/>
-                  </a:schemeClr>
-                </a:solidFill>
-              </a:defRPr>
-            </a:lvl2pPr>
-            <a:lvl3pPr>
-              <a:spcAft>
-                <a:spcPts val="800"/>
-              </a:spcAft>
-              <a:defRPr baseline="0">
-                <a:solidFill>
-                  <a:schemeClr val="accent3">
-                    <a:lumMod val="50000"/>
-                  </a:schemeClr>
-                </a:solidFill>
-              </a:defRPr>
-            </a:lvl3pPr>
-            <a:lvl4pPr>
-              <a:spcAft>
-                <a:spcPts val="800"/>
-              </a:spcAft>
-              <a:defRPr baseline="0">
-                <a:solidFill>
-                  <a:schemeClr val="accent3">
-                    <a:lumMod val="50000"/>
-                  </a:schemeClr>
-                </a:solidFill>
-              </a:defRPr>
-            </a:lvl4pPr>
-            <a:lvl5pPr>
-              <a:spcAft>
-                <a:spcPts val="800"/>
-              </a:spcAft>
-              <a:defRPr baseline="0">
-                <a:solidFill>
-                  <a:schemeClr val="accent3">
-                    <a:lumMod val="50000"/>
-                  </a:schemeClr>
-                </a:solidFill>
-              </a:defRPr>
-            </a:lvl5pPr>
-          </a:lstStyle>
-          <a:p>
-            <a:pPr lvl="0"/>
-            <a:r>
-              <a:rPr lang="en-US" smtClean="0"/>
-              <a:t>Click to edit Master text styles</a:t>
-            </a:r>
-          </a:p>
-          <a:p>
-            <a:pPr lvl="1"/>
-            <a:r>
-              <a:rPr lang="en-US" smtClean="0"/>
-              <a:t>Second level</a:t>
-            </a:r>
-          </a:p>
-          <a:p>
-            <a:pPr lvl="2"/>
-            <a:r>
-              <a:rPr lang="en-US" smtClean="0"/>
-              <a:t>Third level</a:t>
-            </a:r>
-          </a:p>
-        </p:txBody>
-      </p:sp>
-    </p:spTree>
-    <p:extLst>
-      <p:ext uri="{BB962C8B-B14F-4D97-AF65-F5344CB8AC3E}">
-        <p14:creationId xmlns:p14="http://schemas.microsoft.com/office/powerpoint/2010/main" val="2747942789"/>
-      </p:ext>
-    </p:extLst>
-  </p:cSld>
-  <p:clrMapOvr>
-    <a:masterClrMapping/>
-  </p:clrMapOvr>
-  <p:transition spd="med">
-    <p:fade/>
-  </p:transition>
-</p:sldLayout>
-</file>
-
-<file path=ppt/slideLayouts/slideLayout20.xml><?xml version="1.0" encoding="utf-8"?>
+<file path=ppt/slideLayouts/slideLayout19.xml><?xml version="1.0" encoding="utf-8"?>
 <p:sldLayout xmlns:a="http://schemas.openxmlformats.org/drawingml/2006/main" xmlns:r="http://schemas.openxmlformats.org/officeDocument/2006/relationships" xmlns:p="http://schemas.openxmlformats.org/presentationml/2006/main" preserve="1" userDrawn="1">
   <p:cSld name="Version Control">
     <p:spTree>
@@ -9545,7 +8947,184 @@
 </p:sldLayout>
 </file>
 
-<file path=ppt/slideLayouts/slideLayout21.xml><?xml version="1.0" encoding="utf-8"?>
+<file path=ppt/slideLayouts/slideLayout2.xml><?xml version="1.0" encoding="utf-8"?>
+<p:sldLayout xmlns:a="http://schemas.openxmlformats.org/drawingml/2006/main" xmlns:r="http://schemas.openxmlformats.org/officeDocument/2006/relationships" xmlns:p="http://schemas.openxmlformats.org/presentationml/2006/main" preserve="1" userDrawn="1">
+  <p:cSld name="Standard">
+    <p:bg>
+      <p:bgPr>
+        <a:gradFill rotWithShape="0">
+          <a:gsLst>
+            <a:gs pos="0">
+              <a:schemeClr val="bg1"/>
+            </a:gs>
+            <a:gs pos="100000">
+              <a:schemeClr val="bg2"/>
+            </a:gs>
+          </a:gsLst>
+          <a:lin ang="5400000" scaled="1"/>
+        </a:gradFill>
+        <a:effectLst/>
+      </p:bgPr>
+    </p:bg>
+    <p:spTree>
+      <p:nvGrpSpPr>
+        <p:cNvPr id="1" name=""/>
+        <p:cNvGrpSpPr/>
+        <p:nvPr/>
+      </p:nvGrpSpPr>
+      <p:grpSpPr>
+        <a:xfrm>
+          <a:off x="0" y="0"/>
+          <a:ext cx="0" cy="0"/>
+          <a:chOff x="0" y="0"/>
+          <a:chExt cx="0" cy="0"/>
+        </a:xfrm>
+      </p:grpSpPr>
+      <p:sp>
+        <p:nvSpPr>
+          <p:cNvPr id="13" name="Title 12"/>
+          <p:cNvSpPr>
+            <a:spLocks noGrp="1"/>
+          </p:cNvSpPr>
+          <p:nvPr>
+            <p:ph type="title"/>
+          </p:nvPr>
+        </p:nvSpPr>
+        <p:spPr/>
+        <p:txBody>
+          <a:bodyPr/>
+          <a:lstStyle/>
+          <a:p>
+            <a:r>
+              <a:rPr lang="en-US" smtClean="0"/>
+              <a:t>Click to edit Master title style</a:t>
+            </a:r>
+            <a:endParaRPr lang="en-US" dirty="0"/>
+          </a:p>
+        </p:txBody>
+      </p:sp>
+      <p:sp>
+        <p:nvSpPr>
+          <p:cNvPr id="17" name="Text Placeholder 4"/>
+          <p:cNvSpPr>
+            <a:spLocks noGrp="1"/>
+          </p:cNvSpPr>
+          <p:nvPr>
+            <p:ph type="body" sz="quarter" idx="12"/>
+          </p:nvPr>
+        </p:nvSpPr>
+        <p:spPr>
+          <a:xfrm>
+            <a:off x="650040" y="1856198"/>
+            <a:ext cx="14898624" cy="5345953"/>
+          </a:xfrm>
+        </p:spPr>
+        <p:txBody>
+          <a:bodyPr>
+            <a:noAutofit/>
+          </a:bodyPr>
+          <a:lstStyle>
+            <a:lvl1pPr>
+              <a:spcAft>
+                <a:spcPts val="800"/>
+              </a:spcAft>
+              <a:defRPr baseline="0">
+                <a:solidFill>
+                  <a:schemeClr val="accent3">
+                    <a:lumMod val="50000"/>
+                  </a:schemeClr>
+                </a:solidFill>
+              </a:defRPr>
+            </a:lvl1pPr>
+            <a:lvl2pPr>
+              <a:spcAft>
+                <a:spcPts val="800"/>
+              </a:spcAft>
+              <a:defRPr baseline="0">
+                <a:solidFill>
+                  <a:schemeClr val="accent3">
+                    <a:lumMod val="50000"/>
+                  </a:schemeClr>
+                </a:solidFill>
+              </a:defRPr>
+            </a:lvl2pPr>
+            <a:lvl3pPr>
+              <a:spcAft>
+                <a:spcPts val="800"/>
+              </a:spcAft>
+              <a:defRPr baseline="0">
+                <a:solidFill>
+                  <a:schemeClr val="accent3">
+                    <a:lumMod val="50000"/>
+                  </a:schemeClr>
+                </a:solidFill>
+              </a:defRPr>
+            </a:lvl3pPr>
+            <a:lvl4pPr>
+              <a:spcAft>
+                <a:spcPts val="800"/>
+              </a:spcAft>
+              <a:defRPr baseline="0">
+                <a:solidFill>
+                  <a:schemeClr val="accent3">
+                    <a:lumMod val="50000"/>
+                  </a:schemeClr>
+                </a:solidFill>
+              </a:defRPr>
+            </a:lvl4pPr>
+            <a:lvl5pPr>
+              <a:spcAft>
+                <a:spcPts val="800"/>
+              </a:spcAft>
+              <a:defRPr baseline="0">
+                <a:solidFill>
+                  <a:schemeClr val="accent3">
+                    <a:lumMod val="50000"/>
+                  </a:schemeClr>
+                </a:solidFill>
+              </a:defRPr>
+            </a:lvl5pPr>
+          </a:lstStyle>
+          <a:p>
+            <a:pPr lvl="0"/>
+            <a:r>
+              <a:rPr lang="en-US" smtClean="0"/>
+              <a:t>Click to edit Master text styles</a:t>
+            </a:r>
+          </a:p>
+          <a:p>
+            <a:pPr lvl="1"/>
+            <a:r>
+              <a:rPr lang="en-US" smtClean="0"/>
+              <a:t>Second level</a:t>
+            </a:r>
+          </a:p>
+          <a:p>
+            <a:pPr lvl="2"/>
+            <a:r>
+              <a:rPr lang="en-US" smtClean="0"/>
+              <a:t>Third level</a:t>
+            </a:r>
+          </a:p>
+        </p:txBody>
+      </p:sp>
+    </p:spTree>
+    <p:extLst>
+      <p:ext uri="{BB962C8B-B14F-4D97-AF65-F5344CB8AC3E}">
+        <p14:creationId xmlns:p14="http://schemas.microsoft.com/office/powerpoint/2010/main" val="2747942789"/>
+      </p:ext>
+    </p:extLst>
+  </p:cSld>
+  <p:clrMapOvr>
+    <a:masterClrMapping/>
+  </p:clrMapOvr>
+  <p:transition spd="med">
+    <p:fade/>
+  </p:transition>
+</p:sldLayout>
+</file>
+
+<file path=ppt/slideLayouts/slideLayout20.xml><?xml version="1.0" encoding="utf-8"?>
 <p:sldLayout xmlns:a="http://schemas.openxmlformats.org/drawingml/2006/main" xmlns:r="http://schemas.openxmlformats.org/officeDocument/2006/relationships" xmlns:p="http://schemas.openxmlformats.org/presentationml/2006/main" preserve="1" userDrawn="1">
   <p:cSld name="Discussion">
     <p:spTree>
@@ -9849,702 +9428,6 @@
 </p:sldLayout>
 </file>
 
-<file path=ppt/slideLayouts/slideLayout22.xml><?xml version="1.0" encoding="utf-8"?>
-<p:sldLayout xmlns:a="http://schemas.openxmlformats.org/drawingml/2006/main" xmlns:r="http://schemas.openxmlformats.org/officeDocument/2006/relationships" xmlns:p="http://schemas.openxmlformats.org/presentationml/2006/main" userDrawn="1">
-  <p:cSld name="File">
-    <p:bg>
-      <p:bgPr>
-        <a:gradFill>
-          <a:gsLst>
-            <a:gs pos="0">
-              <a:schemeClr val="bg2">
-                <a:lumMod val="95000"/>
-              </a:schemeClr>
-            </a:gs>
-            <a:gs pos="100000">
-              <a:schemeClr val="bg2"/>
-            </a:gs>
-          </a:gsLst>
-          <a:lin ang="5400000" scaled="1"/>
-        </a:gradFill>
-        <a:effectLst/>
-      </p:bgPr>
-    </p:bg>
-    <p:spTree>
-      <p:nvGrpSpPr>
-        <p:cNvPr id="1" name=""/>
-        <p:cNvGrpSpPr/>
-        <p:nvPr/>
-      </p:nvGrpSpPr>
-      <p:grpSpPr>
-        <a:xfrm>
-          <a:off x="0" y="0"/>
-          <a:ext cx="0" cy="0"/>
-          <a:chOff x="0" y="0"/>
-          <a:chExt cx="0" cy="0"/>
-        </a:xfrm>
-      </p:grpSpPr>
-      <p:pic>
-        <p:nvPicPr>
-          <p:cNvPr id="7" name="Picture 8"/>
-          <p:cNvPicPr>
-            <a:picLocks noChangeAspect="1"/>
-          </p:cNvPicPr>
-          <p:nvPr/>
-        </p:nvPicPr>
-        <p:blipFill>
-          <a:blip r:embed="rId2">
-            <a:extLst>
-              <a:ext uri="{28A0092B-C50C-407E-A947-70E740481C1C}">
-                <a14:useLocalDpi xmlns:a14="http://schemas.microsoft.com/office/drawing/2010/main" val="0"/>
-              </a:ext>
-            </a:extLst>
-          </a:blip>
-          <a:srcRect/>
-          <a:stretch>
-            <a:fillRect/>
-          </a:stretch>
-        </p:blipFill>
-        <p:spPr bwMode="auto">
-          <a:xfrm>
-            <a:off x="603250" y="1336675"/>
-            <a:ext cx="412750" cy="571500"/>
-          </a:xfrm>
-          <a:prstGeom prst="rect">
-            <a:avLst/>
-          </a:prstGeom>
-          <a:noFill/>
-          <a:ln>
-            <a:noFill/>
-          </a:ln>
-          <a:extLst>
-            <a:ext uri="{909E8E84-426E-40dd-AFC4-6F175D3DCCD1}">
-              <a14:hiddenFill xmlns="" xmlns:a14="http://schemas.microsoft.com/office/drawing/2010/main">
-                <a:solidFill>
-                  <a:srgbClr val="FFFFFF"/>
-                </a:solidFill>
-              </a14:hiddenFill>
-            </a:ext>
-            <a:ext uri="{91240B29-F687-4f45-9708-019B960494DF}">
-              <a14:hiddenLine xmlns="" xmlns:a14="http://schemas.microsoft.com/office/drawing/2010/main" w="9525">
-                <a:solidFill>
-                  <a:srgbClr val="000000"/>
-                </a:solidFill>
-                <a:miter lim="800000"/>
-                <a:headEnd/>
-                <a:tailEnd/>
-              </a14:hiddenLine>
-            </a:ext>
-          </a:extLst>
-        </p:spPr>
-      </p:pic>
-      <p:sp>
-        <p:nvSpPr>
-          <p:cNvPr id="2" name="Title 1"/>
-          <p:cNvSpPr>
-            <a:spLocks noGrp="1"/>
-          </p:cNvSpPr>
-          <p:nvPr>
-            <p:ph type="title"/>
-          </p:nvPr>
-        </p:nvSpPr>
-        <p:spPr>
-          <a:xfrm>
-            <a:off x="609600" y="304800"/>
-            <a:ext cx="14935200" cy="827577"/>
-          </a:xfrm>
-        </p:spPr>
-        <p:txBody>
-          <a:bodyPr/>
-          <a:lstStyle>
-            <a:lvl1pPr>
-              <a:defRPr sz="5867"/>
-            </a:lvl1pPr>
-          </a:lstStyle>
-          <a:p>
-            <a:r>
-              <a:rPr lang="en-US" smtClean="0"/>
-              <a:t>Click to edit Master title style</a:t>
-            </a:r>
-            <a:endParaRPr lang="en-US" dirty="0"/>
-          </a:p>
-        </p:txBody>
-      </p:sp>
-      <p:sp>
-        <p:nvSpPr>
-          <p:cNvPr id="16" name="Content Placeholder 3"/>
-          <p:cNvSpPr>
-            <a:spLocks noGrp="1"/>
-          </p:cNvSpPr>
-          <p:nvPr>
-            <p:ph sz="quarter" idx="10" hasCustomPrompt="1"/>
-          </p:nvPr>
-        </p:nvSpPr>
-        <p:spPr>
-          <a:xfrm>
-            <a:off x="1121104" y="2113747"/>
-            <a:ext cx="14423693" cy="5951611"/>
-          </a:xfrm>
-          <a:prstGeom prst="rect">
-            <a:avLst/>
-          </a:prstGeom>
-          <a:ln w="12700">
-            <a:solidFill>
-              <a:schemeClr val="tx2"/>
-            </a:solidFill>
-            <a:prstDash val="dash"/>
-          </a:ln>
-        </p:spPr>
-        <p:txBody>
-          <a:bodyPr lIns="91440" tIns="45720" rIns="91440" bIns="45720">
-            <a:normAutofit/>
-          </a:bodyPr>
-          <a:lstStyle>
-            <a:lvl1pPr marL="0" marR="0" indent="0" algn="l" defTabSz="1219120" rtl="0" eaLnBrk="1" fontAlgn="auto" latinLnBrk="0" hangingPunct="1">
-              <a:lnSpc>
-                <a:spcPct val="100000"/>
-              </a:lnSpc>
-              <a:spcBef>
-                <a:spcPts val="800"/>
-              </a:spcBef>
-              <a:spcAft>
-                <a:spcPts val="0"/>
-              </a:spcAft>
-              <a:buClrTx/>
-              <a:buSzPct val="90000"/>
-              <a:buFont typeface="Arial" pitchFamily="34" charset="0"/>
-              <a:buNone/>
-              <a:tabLst/>
-              <a:defRPr sz="2800" b="1">
-                <a:latin typeface="Courier New" panose="02070309020205020404" pitchFamily="49" charset="0"/>
-                <a:cs typeface="Courier New" panose="02070309020205020404" pitchFamily="49" charset="0"/>
-              </a:defRPr>
-            </a:lvl1pPr>
-            <a:lvl2pPr>
-              <a:defRPr sz="3200"/>
-            </a:lvl2pPr>
-            <a:lvl3pPr>
-              <a:defRPr sz="3200"/>
-            </a:lvl3pPr>
-            <a:lvl4pPr>
-              <a:defRPr sz="3200"/>
-            </a:lvl4pPr>
-            <a:lvl5pPr>
-              <a:defRPr sz="3200"/>
-            </a:lvl5pPr>
-          </a:lstStyle>
-          <a:p>
-            <a:pPr lvl="0"/>
-            <a:r>
-              <a:rPr lang="en-US" dirty="0" smtClean="0"/>
-              <a:t>SOURCE</a:t>
-            </a:r>
-          </a:p>
-        </p:txBody>
-      </p:sp>
-      <p:sp>
-        <p:nvSpPr>
-          <p:cNvPr id="5" name="Text Placeholder 4"/>
-          <p:cNvSpPr>
-            <a:spLocks noGrp="1"/>
-          </p:cNvSpPr>
-          <p:nvPr>
-            <p:ph type="body" sz="quarter" idx="11" hasCustomPrompt="1"/>
-          </p:nvPr>
-        </p:nvSpPr>
-        <p:spPr>
-          <a:xfrm>
-            <a:off x="1121104" y="1337150"/>
-            <a:ext cx="14422528" cy="566391"/>
-          </a:xfrm>
-          <a:prstGeom prst="rect">
-            <a:avLst/>
-          </a:prstGeom>
-          <a:solidFill>
-            <a:schemeClr val="bg1">
-              <a:lumMod val="85000"/>
-              <a:alpha val="50000"/>
-            </a:schemeClr>
-          </a:solidFill>
-        </p:spPr>
-        <p:txBody>
-          <a:bodyPr lIns="91440" bIns="91440" anchor="ctr" anchorCtr="0">
-            <a:noAutofit/>
-          </a:bodyPr>
-          <a:lstStyle>
-            <a:lvl1pPr marL="0" indent="0">
-              <a:buNone/>
-              <a:defRPr sz="2800" b="1">
-                <a:latin typeface="Courier New" panose="02070309020205020404" pitchFamily="49" charset="0"/>
-                <a:cs typeface="Courier New" panose="02070309020205020404" pitchFamily="49" charset="0"/>
-              </a:defRPr>
-            </a:lvl1pPr>
-          </a:lstStyle>
-          <a:p>
-            <a:pPr lvl="0"/>
-            <a:r>
-              <a:rPr lang="en-US" dirty="0" smtClean="0"/>
-              <a:t>/</a:t>
-            </a:r>
-            <a:r>
-              <a:rPr lang="en-US" dirty="0" err="1" smtClean="0"/>
-              <a:t>filepath</a:t>
-            </a:r>
-            <a:r>
-              <a:rPr lang="en-US" dirty="0" smtClean="0"/>
-              <a:t>/</a:t>
-            </a:r>
-            <a:r>
-              <a:rPr lang="en-US" dirty="0" err="1" smtClean="0"/>
-              <a:t>file.rb</a:t>
-            </a:r>
-            <a:endParaRPr lang="en-US" dirty="0" smtClean="0"/>
-          </a:p>
-        </p:txBody>
-      </p:sp>
-      <p:sp>
-        <p:nvSpPr>
-          <p:cNvPr id="19" name="Text Placeholder 13"/>
-          <p:cNvSpPr>
-            <a:spLocks noGrp="1"/>
-          </p:cNvSpPr>
-          <p:nvPr>
-            <p:ph type="body" sz="quarter" idx="12" hasCustomPrompt="1"/>
-          </p:nvPr>
-        </p:nvSpPr>
-        <p:spPr>
-          <a:xfrm>
-            <a:off x="1124446" y="3538306"/>
-            <a:ext cx="14404273" cy="659007"/>
-          </a:xfrm>
-          <a:prstGeom prst="rect">
-            <a:avLst/>
-          </a:prstGeom>
-          <a:solidFill>
-            <a:srgbClr val="FF0000">
-              <a:alpha val="25000"/>
-            </a:srgbClr>
-          </a:solidFill>
-        </p:spPr>
-        <p:txBody>
-          <a:bodyPr rIns="91440" bIns="594360">
-            <a:noAutofit/>
-          </a:bodyPr>
-          <a:lstStyle>
-            <a:lvl1pPr marL="0" indent="0" algn="r">
-              <a:buFontTx/>
-              <a:buNone/>
-              <a:defRPr sz="4267">
-                <a:latin typeface="Courier New"/>
-                <a:cs typeface="Courier New"/>
-              </a:defRPr>
-            </a:lvl1pPr>
-          </a:lstStyle>
-          <a:p>
-            <a:pPr lvl="0"/>
-            <a:r>
-              <a:rPr lang="en-US" dirty="0" smtClean="0"/>
-              <a:t>-</a:t>
-            </a:r>
-          </a:p>
-        </p:txBody>
-      </p:sp>
-      <p:sp>
-        <p:nvSpPr>
-          <p:cNvPr id="20" name="Text Placeholder 13"/>
-          <p:cNvSpPr>
-            <a:spLocks noGrp="1"/>
-          </p:cNvSpPr>
-          <p:nvPr>
-            <p:ph type="body" sz="quarter" idx="13" hasCustomPrompt="1"/>
-          </p:nvPr>
-        </p:nvSpPr>
-        <p:spPr>
-          <a:xfrm>
-            <a:off x="1135042" y="4206982"/>
-            <a:ext cx="14404273" cy="626533"/>
-          </a:xfrm>
-          <a:prstGeom prst="rect">
-            <a:avLst/>
-          </a:prstGeom>
-          <a:solidFill>
-            <a:srgbClr val="008000">
-              <a:alpha val="25000"/>
-            </a:srgbClr>
-          </a:solidFill>
-        </p:spPr>
-        <p:txBody>
-          <a:bodyPr rIns="91440" bIns="594360">
-            <a:noAutofit/>
-          </a:bodyPr>
-          <a:lstStyle>
-            <a:lvl1pPr marL="0" indent="0" algn="r">
-              <a:buFontTx/>
-              <a:buNone/>
-              <a:defRPr sz="4267">
-                <a:latin typeface="Courier New"/>
-                <a:cs typeface="Courier New"/>
-              </a:defRPr>
-            </a:lvl1pPr>
-          </a:lstStyle>
-          <a:p>
-            <a:pPr lvl="0"/>
-            <a:r>
-              <a:rPr lang="en-US" dirty="0" smtClean="0"/>
-              <a:t>+</a:t>
-            </a:r>
-          </a:p>
-        </p:txBody>
-      </p:sp>
-    </p:spTree>
-    <p:extLst>
-      <p:ext uri="{BB962C8B-B14F-4D97-AF65-F5344CB8AC3E}">
-        <p14:creationId xmlns:p14="http://schemas.microsoft.com/office/powerpoint/2010/main" val="3282417694"/>
-      </p:ext>
-    </p:extLst>
-  </p:cSld>
-  <p:clrMapOvr>
-    <a:overrideClrMapping bg1="lt1" tx1="dk1" bg2="lt2" tx2="dk2" accent1="accent1" accent2="accent2" accent3="accent3" accent4="accent4" accent5="accent5" accent6="accent6" hlink="hlink" folHlink="folHlink"/>
-  </p:clrMapOvr>
-  <p:transition spd="med">
-    <p:fade/>
-  </p:transition>
-</p:sldLayout>
-</file>
-
-<file path=ppt/slideLayouts/slideLayout23.xml><?xml version="1.0" encoding="utf-8"?>
-<p:sldLayout xmlns:a="http://schemas.openxmlformats.org/drawingml/2006/main" xmlns:r="http://schemas.openxmlformats.org/officeDocument/2006/relationships" xmlns:p="http://schemas.openxmlformats.org/presentationml/2006/main" userDrawn="1">
-  <p:cSld name="Command - Black">
-    <p:bg>
-      <p:bgPr>
-        <a:gradFill>
-          <a:gsLst>
-            <a:gs pos="0">
-              <a:schemeClr val="bg2">
-                <a:lumMod val="95000"/>
-              </a:schemeClr>
-            </a:gs>
-            <a:gs pos="100000">
-              <a:schemeClr val="bg2"/>
-            </a:gs>
-          </a:gsLst>
-          <a:lin ang="5400000" scaled="1"/>
-        </a:gradFill>
-        <a:effectLst/>
-      </p:bgPr>
-    </p:bg>
-    <p:spTree>
-      <p:nvGrpSpPr>
-        <p:cNvPr id="1" name=""/>
-        <p:cNvGrpSpPr/>
-        <p:nvPr/>
-      </p:nvGrpSpPr>
-      <p:grpSpPr>
-        <a:xfrm>
-          <a:off x="0" y="0"/>
-          <a:ext cx="0" cy="0"/>
-          <a:chOff x="0" y="0"/>
-          <a:chExt cx="0" cy="0"/>
-        </a:xfrm>
-      </p:grpSpPr>
-      <p:pic>
-        <p:nvPicPr>
-          <p:cNvPr id="7" name="Picture 8"/>
-          <p:cNvPicPr>
-            <a:picLocks noChangeAspect="1"/>
-          </p:cNvPicPr>
-          <p:nvPr/>
-        </p:nvPicPr>
-        <p:blipFill>
-          <a:blip r:embed="rId2">
-            <a:extLst>
-              <a:ext uri="{28A0092B-C50C-407E-A947-70E740481C1C}">
-                <a14:useLocalDpi xmlns:a14="http://schemas.microsoft.com/office/drawing/2010/main" val="0"/>
-              </a:ext>
-            </a:extLst>
-          </a:blip>
-          <a:srcRect/>
-          <a:stretch>
-            <a:fillRect/>
-          </a:stretch>
-        </p:blipFill>
-        <p:spPr bwMode="auto">
-          <a:xfrm>
-            <a:off x="246063" y="1433513"/>
-            <a:ext cx="703262" cy="538162"/>
-          </a:xfrm>
-          <a:prstGeom prst="rect">
-            <a:avLst/>
-          </a:prstGeom>
-          <a:noFill/>
-          <a:ln>
-            <a:noFill/>
-          </a:ln>
-          <a:extLst>
-            <a:ext uri="{909E8E84-426E-40dd-AFC4-6F175D3DCCD1}">
-              <a14:hiddenFill xmlns="" xmlns:a14="http://schemas.microsoft.com/office/drawing/2010/main">
-                <a:solidFill>
-                  <a:srgbClr val="FFFFFF"/>
-                </a:solidFill>
-              </a14:hiddenFill>
-            </a:ext>
-            <a:ext uri="{91240B29-F687-4f45-9708-019B960494DF}">
-              <a14:hiddenLine xmlns="" xmlns:a14="http://schemas.microsoft.com/office/drawing/2010/main" w="9525">
-                <a:solidFill>
-                  <a:srgbClr val="000000"/>
-                </a:solidFill>
-                <a:miter lim="800000"/>
-                <a:headEnd/>
-                <a:tailEnd/>
-              </a14:hiddenLine>
-            </a:ext>
-          </a:extLst>
-        </p:spPr>
-      </p:pic>
-      <p:sp>
-        <p:nvSpPr>
-          <p:cNvPr id="16" name="Content Placeholder 3"/>
-          <p:cNvSpPr>
-            <a:spLocks noGrp="1"/>
-          </p:cNvSpPr>
-          <p:nvPr>
-            <p:ph sz="quarter" idx="10" hasCustomPrompt="1"/>
-          </p:nvPr>
-        </p:nvSpPr>
-        <p:spPr>
-          <a:xfrm>
-            <a:off x="1121104" y="2315963"/>
-            <a:ext cx="14423693" cy="5580480"/>
-          </a:xfrm>
-          <a:prstGeom prst="rect">
-            <a:avLst/>
-          </a:prstGeom>
-          <a:solidFill>
-            <a:schemeClr val="tx2"/>
-          </a:solidFill>
-          <a:ln w="12700">
-            <a:solidFill>
-              <a:schemeClr val="tx2"/>
-            </a:solidFill>
-            <a:prstDash val="dash"/>
-          </a:ln>
-        </p:spPr>
-        <p:txBody>
-          <a:bodyPr lIns="91440" tIns="45720" rIns="91440" bIns="45720">
-            <a:noAutofit/>
-          </a:bodyPr>
-          <a:lstStyle>
-            <a:lvl1pPr marL="0" marR="0" indent="0" algn="l" defTabSz="1219120" rtl="0" eaLnBrk="1" fontAlgn="auto" latinLnBrk="0" hangingPunct="1">
-              <a:lnSpc>
-                <a:spcPct val="100000"/>
-              </a:lnSpc>
-              <a:spcBef>
-                <a:spcPts val="800"/>
-              </a:spcBef>
-              <a:spcAft>
-                <a:spcPts val="0"/>
-              </a:spcAft>
-              <a:buClrTx/>
-              <a:buSzPct val="90000"/>
-              <a:buFont typeface="Arial" pitchFamily="34" charset="0"/>
-              <a:buNone/>
-              <a:tabLst/>
-              <a:defRPr sz="2800" b="1">
-                <a:solidFill>
-                  <a:srgbClr val="FFFFFF"/>
-                </a:solidFill>
-                <a:latin typeface="Courier New"/>
-                <a:cs typeface="Courier New"/>
-              </a:defRPr>
-            </a:lvl1pPr>
-            <a:lvl2pPr>
-              <a:defRPr>
-                <a:solidFill>
-                  <a:srgbClr val="FFFFFF"/>
-                </a:solidFill>
-              </a:defRPr>
-            </a:lvl2pPr>
-            <a:lvl3pPr>
-              <a:defRPr>
-                <a:solidFill>
-                  <a:srgbClr val="FFFFFF"/>
-                </a:solidFill>
-              </a:defRPr>
-            </a:lvl3pPr>
-            <a:lvl4pPr>
-              <a:defRPr>
-                <a:solidFill>
-                  <a:srgbClr val="FFFFFF"/>
-                </a:solidFill>
-              </a:defRPr>
-            </a:lvl4pPr>
-            <a:lvl5pPr>
-              <a:defRPr>
-                <a:solidFill>
-                  <a:srgbClr val="FFFFFF"/>
-                </a:solidFill>
-              </a:defRPr>
-            </a:lvl5pPr>
-          </a:lstStyle>
-          <a:p>
-            <a:pPr lvl="0"/>
-            <a:r>
-              <a:rPr lang="en-US" dirty="0" smtClean="0"/>
-              <a:t>RESULT</a:t>
-            </a:r>
-          </a:p>
-        </p:txBody>
-      </p:sp>
-      <p:sp>
-        <p:nvSpPr>
-          <p:cNvPr id="5" name="Text Placeholder 4"/>
-          <p:cNvSpPr>
-            <a:spLocks noGrp="1"/>
-          </p:cNvSpPr>
-          <p:nvPr>
-            <p:ph type="body" sz="quarter" idx="11" hasCustomPrompt="1"/>
-          </p:nvPr>
-        </p:nvSpPr>
-        <p:spPr>
-          <a:xfrm>
-            <a:off x="1121104" y="1337149"/>
-            <a:ext cx="14422528" cy="729785"/>
-          </a:xfrm>
-          <a:prstGeom prst="rect">
-            <a:avLst/>
-          </a:prstGeom>
-          <a:solidFill>
-            <a:schemeClr val="tx2"/>
-          </a:solidFill>
-        </p:spPr>
-        <p:txBody>
-          <a:bodyPr lIns="91440" anchor="ctr" anchorCtr="0">
-            <a:noAutofit/>
-          </a:bodyPr>
-          <a:lstStyle>
-            <a:lvl1pPr marL="0" indent="0">
-              <a:lnSpc>
-                <a:spcPct val="100000"/>
-              </a:lnSpc>
-              <a:buNone/>
-              <a:defRPr sz="2800" b="1">
-                <a:solidFill>
-                  <a:schemeClr val="bg1"/>
-                </a:solidFill>
-                <a:latin typeface="Courier New"/>
-                <a:cs typeface="Courier New"/>
-              </a:defRPr>
-            </a:lvl1pPr>
-          </a:lstStyle>
-          <a:p>
-            <a:pPr lvl="0"/>
-            <a:r>
-              <a:rPr lang="en-US" dirty="0" smtClean="0"/>
-              <a:t>&gt; command</a:t>
-            </a:r>
-          </a:p>
-        </p:txBody>
-      </p:sp>
-      <p:sp>
-        <p:nvSpPr>
-          <p:cNvPr id="6" name="Content Placeholder 5"/>
-          <p:cNvSpPr>
-            <a:spLocks noGrp="1"/>
-          </p:cNvSpPr>
-          <p:nvPr>
-            <p:ph sz="quarter" idx="12" hasCustomPrompt="1"/>
-          </p:nvPr>
-        </p:nvSpPr>
-        <p:spPr>
-          <a:xfrm>
-            <a:off x="1127883" y="3228515"/>
-            <a:ext cx="14420850" cy="557213"/>
-          </a:xfrm>
-          <a:prstGeom prst="rect">
-            <a:avLst/>
-          </a:prstGeom>
-          <a:solidFill>
-            <a:schemeClr val="accent1">
-              <a:alpha val="60000"/>
-            </a:schemeClr>
-          </a:solidFill>
-          <a:ln>
-            <a:solidFill>
-              <a:schemeClr val="accent1">
-                <a:lumMod val="75000"/>
-              </a:schemeClr>
-            </a:solidFill>
-          </a:ln>
-        </p:spPr>
-        <p:txBody>
-          <a:bodyPr anchor="ctr">
-            <a:noAutofit/>
-          </a:bodyPr>
-          <a:lstStyle>
-            <a:lvl1pPr algn="l">
-              <a:defRPr sz="4200" baseline="0">
-                <a:solidFill>
-                  <a:schemeClr val="bg2"/>
-                </a:solidFill>
-                <a:latin typeface="Courier New"/>
-                <a:cs typeface="Courier New"/>
-              </a:defRPr>
-            </a:lvl1pPr>
-          </a:lstStyle>
-          <a:p>
-            <a:pPr lvl="0"/>
-            <a:r>
-              <a:rPr lang="en-US" dirty="0" smtClean="0"/>
-              <a:t> </a:t>
-            </a:r>
-          </a:p>
-        </p:txBody>
-      </p:sp>
-      <p:sp>
-        <p:nvSpPr>
-          <p:cNvPr id="2" name="Title 1"/>
-          <p:cNvSpPr>
-            <a:spLocks noGrp="1"/>
-          </p:cNvSpPr>
-          <p:nvPr>
-            <p:ph type="title"/>
-          </p:nvPr>
-        </p:nvSpPr>
-        <p:spPr/>
-        <p:txBody>
-          <a:bodyPr>
-            <a:normAutofit/>
-          </a:bodyPr>
-          <a:lstStyle>
-            <a:lvl1pPr>
-              <a:defRPr sz="5870"/>
-            </a:lvl1pPr>
-          </a:lstStyle>
-          <a:p>
-            <a:r>
-              <a:rPr lang="en-US" smtClean="0"/>
-              <a:t>Click to edit Master title style</a:t>
-            </a:r>
-            <a:endParaRPr lang="en-US" dirty="0"/>
-          </a:p>
-        </p:txBody>
-      </p:sp>
-    </p:spTree>
-    <p:extLst>
-      <p:ext uri="{BB962C8B-B14F-4D97-AF65-F5344CB8AC3E}">
-        <p14:creationId xmlns:p14="http://schemas.microsoft.com/office/powerpoint/2010/main" val="3243204036"/>
-      </p:ext>
-    </p:extLst>
-  </p:cSld>
-  <p:clrMapOvr>
-    <a:overrideClrMapping bg1="lt1" tx1="dk1" bg2="lt2" tx2="dk2" accent1="accent1" accent2="accent2" accent3="accent3" accent4="accent4" accent5="accent5" accent6="accent6" hlink="hlink" folHlink="folHlink"/>
-  </p:clrMapOvr>
-  <p:transition spd="med">
-    <p:fade/>
-  </p:transition>
-</p:sldLayout>
-</file>
-
 <file path=ppt/slideLayouts/slideLayout3.xml><?xml version="1.0" encoding="utf-8"?>
 <p:sldLayout xmlns:a="http://schemas.openxmlformats.org/drawingml/2006/main" xmlns:r="http://schemas.openxmlformats.org/officeDocument/2006/relationships" xmlns:p="http://schemas.openxmlformats.org/presentationml/2006/main" preserve="1" userDrawn="1">
   <p:cSld name="Command - Black">
@@ -10615,14 +9498,14 @@
           </a:ln>
           <a:extLst>
             <a:ext uri="{909E8E84-426E-40dd-AFC4-6F175D3DCCD1}">
-              <a14:hiddenFill xmlns="" xmlns:a14="http://schemas.microsoft.com/office/drawing/2010/main">
+              <a14:hiddenFill xmlns:a14="http://schemas.microsoft.com/office/drawing/2010/main" xmlns="">
                 <a:solidFill>
                   <a:srgbClr val="FFFFFF"/>
                 </a:solidFill>
               </a14:hiddenFill>
             </a:ext>
             <a:ext uri="{91240B29-F687-4f45-9708-019B960494DF}">
-              <a14:hiddenLine xmlns="" xmlns:a14="http://schemas.microsoft.com/office/drawing/2010/main" w="9525">
+              <a14:hiddenLine xmlns:a14="http://schemas.microsoft.com/office/drawing/2010/main" xmlns="" w="9525">
                 <a:solidFill>
                   <a:srgbClr val="000000"/>
                 </a:solidFill>
@@ -11145,14 +10028,14 @@
           </a:ln>
           <a:extLst>
             <a:ext uri="{909E8E84-426E-40dd-AFC4-6F175D3DCCD1}">
-              <a14:hiddenFill xmlns="" xmlns:a14="http://schemas.microsoft.com/office/drawing/2010/main">
+              <a14:hiddenFill xmlns:a14="http://schemas.microsoft.com/office/drawing/2010/main" xmlns="">
                 <a:solidFill>
                   <a:srgbClr val="FFFFFF"/>
                 </a:solidFill>
               </a14:hiddenFill>
             </a:ext>
             <a:ext uri="{91240B29-F687-4f45-9708-019B960494DF}">
-              <a14:hiddenLine xmlns="" xmlns:a14="http://schemas.microsoft.com/office/drawing/2010/main" w="9525">
+              <a14:hiddenLine xmlns:a14="http://schemas.microsoft.com/office/drawing/2010/main" xmlns="" w="9525">
                 <a:solidFill>
                   <a:srgbClr val="000000"/>
                 </a:solidFill>
@@ -11684,14 +10567,14 @@
           </a:ln>
           <a:extLst>
             <a:ext uri="{909E8E84-426E-40dd-AFC4-6F175D3DCCD1}">
-              <a14:hiddenFill xmlns="" xmlns:a14="http://schemas.microsoft.com/office/drawing/2010/main">
+              <a14:hiddenFill xmlns:a14="http://schemas.microsoft.com/office/drawing/2010/main" xmlns="">
                 <a:solidFill>
                   <a:srgbClr val="FFFFFF"/>
                 </a:solidFill>
               </a14:hiddenFill>
             </a:ext>
             <a:ext uri="{91240B29-F687-4f45-9708-019B960494DF}">
-              <a14:hiddenLine xmlns="" xmlns:a14="http://schemas.microsoft.com/office/drawing/2010/main" w="9525">
+              <a14:hiddenLine xmlns:a14="http://schemas.microsoft.com/office/drawing/2010/main" xmlns="" w="9525">
                 <a:solidFill>
                   <a:srgbClr val="000000"/>
                 </a:solidFill>
@@ -12605,7 +11488,7 @@
           <p:nvPr/>
         </p:nvPicPr>
         <p:blipFill>
-          <a:blip r:embed="rId15">
+          <a:blip r:embed="rId14">
             <a:extLst>
               <a:ext uri="{28A0092B-C50C-407E-A947-70E740481C1C}">
                 <a14:useLocalDpi xmlns:a14="http://schemas.microsoft.com/office/drawing/2010/main" val="0"/>
@@ -12631,14 +11514,14 @@
           </a:ln>
           <a:extLst>
             <a:ext uri="{909E8E84-426E-40dd-AFC4-6F175D3DCCD1}">
-              <a14:hiddenFill xmlns="" xmlns:a14="http://schemas.microsoft.com/office/drawing/2010/main">
+              <a14:hiddenFill xmlns:a14="http://schemas.microsoft.com/office/drawing/2010/main" xmlns="">
                 <a:solidFill>
                   <a:srgbClr val="FFFFFF"/>
                 </a:solidFill>
               </a14:hiddenFill>
             </a:ext>
             <a:ext uri="{91240B29-F687-4f45-9708-019B960494DF}">
-              <a14:hiddenLine xmlns="" xmlns:a14="http://schemas.microsoft.com/office/drawing/2010/main" w="9525">
+              <a14:hiddenLine xmlns:a14="http://schemas.microsoft.com/office/drawing/2010/main" xmlns="" w="9525">
                 <a:solidFill>
                   <a:srgbClr val="000000"/>
                 </a:solidFill>
@@ -12816,7 +11699,7 @@
                 <a:ea typeface="+mn-ea"/>
                 <a:cs typeface="+mn-cs"/>
               </a:rPr>
-              <a:t>4</a:t>
+              <a:t>5</a:t>
             </a:r>
             <a:r>
               <a:rPr lang="en-US" dirty="0" smtClean="0">
@@ -12876,7 +11759,6 @@
     <p:sldLayoutId id="2147483840" r:id="rId10"/>
     <p:sldLayoutId id="2147483841" r:id="rId11"/>
     <p:sldLayoutId id="2147483843" r:id="rId12"/>
-    <p:sldLayoutId id="2147483867" r:id="rId13"/>
   </p:sldLayoutIdLst>
   <p:transition spd="med">
     <p:fade/>
@@ -13386,7 +12268,7 @@
           <p:nvPr/>
         </p:nvPicPr>
         <p:blipFill>
-          <a:blip r:embed="rId12">
+          <a:blip r:embed="rId10">
             <a:extLst>
               <a:ext uri="{28A0092B-C50C-407E-A947-70E740481C1C}">
                 <a14:useLocalDpi xmlns:a14="http://schemas.microsoft.com/office/drawing/2010/main" val="0"/>
@@ -13412,14 +12294,14 @@
           </a:ln>
           <a:extLst>
             <a:ext uri="{909E8E84-426E-40dd-AFC4-6F175D3DCCD1}">
-              <a14:hiddenFill xmlns="" xmlns:a14="http://schemas.microsoft.com/office/drawing/2010/main">
+              <a14:hiddenFill xmlns:a14="http://schemas.microsoft.com/office/drawing/2010/main" xmlns="">
                 <a:solidFill>
                   <a:srgbClr val="FFFFFF"/>
                 </a:solidFill>
               </a14:hiddenFill>
             </a:ext>
             <a:ext uri="{91240B29-F687-4f45-9708-019B960494DF}">
-              <a14:hiddenLine xmlns="" xmlns:a14="http://schemas.microsoft.com/office/drawing/2010/main" w="9525">
+              <a14:hiddenLine xmlns:a14="http://schemas.microsoft.com/office/drawing/2010/main" xmlns="" w="9525">
                 <a:solidFill>
                   <a:srgbClr val="000000"/>
                 </a:solidFill>
@@ -13560,7 +12442,7 @@
                 <a:ea typeface="+mn-ea"/>
                 <a:cs typeface="+mn-cs"/>
               </a:rPr>
-              <a:t>4</a:t>
+              <a:t>5</a:t>
             </a:r>
             <a:r>
               <a:rPr lang="en-US" dirty="0" smtClean="0">
@@ -13728,8 +12610,6 @@
     <p:sldLayoutId id="2147483855" r:id="rId6"/>
     <p:sldLayoutId id="2147483856" r:id="rId7"/>
     <p:sldLayoutId id="2147483866" r:id="rId8"/>
-    <p:sldLayoutId id="2147483868" r:id="rId9"/>
-    <p:sldLayoutId id="2147483869" r:id="rId10"/>
   </p:sldLayoutIdLst>
   <p:transition spd="med">
     <p:fade/>
@@ -14434,7 +13314,6 @@
               <a:rPr lang="en-US" sz="2000" dirty="0"/>
               <a:t>-----&gt; Kitchen is finished. (2m42.37s)</a:t>
             </a:r>
-            <a:endParaRPr lang="en-US" sz="2000" dirty="0"/>
           </a:p>
         </p:txBody>
       </p:sp>
@@ -15556,7 +14435,6 @@
               <a:rPr lang="en-US" dirty="0"/>
               <a:t>10 examples, 0 failures</a:t>
             </a:r>
-            <a:endParaRPr lang="en-US" dirty="0"/>
           </a:p>
         </p:txBody>
       </p:sp>
@@ -15816,7 +14694,6 @@
               <a:rPr lang="en-US" sz="2000" dirty="0"/>
               <a:t>-----&gt; Kitchen is finished. (2m42.37s)</a:t>
             </a:r>
-            <a:endParaRPr lang="en-US" sz="2000" dirty="0"/>
           </a:p>
         </p:txBody>
       </p:sp>
@@ -16774,7 +15651,6 @@
               <a:rPr lang="en-US" dirty="0"/>
               <a:t>10 examples, 0 failures</a:t>
             </a:r>
-            <a:endParaRPr lang="en-US" dirty="0"/>
           </a:p>
         </p:txBody>
       </p:sp>
@@ -17034,7 +15910,6 @@
               <a:rPr lang="en-US" sz="2000" dirty="0"/>
               <a:t>-----&gt; Kitchen is finished. (2m42.37s)</a:t>
             </a:r>
-            <a:endParaRPr lang="en-US" sz="2000" dirty="0"/>
           </a:p>
         </p:txBody>
       </p:sp>
@@ -18182,7 +17057,6 @@
               <a:rPr lang="en-US" dirty="0"/>
               <a:t>10 examples, 0 failures</a:t>
             </a:r>
-            <a:endParaRPr lang="en-US" dirty="0"/>
           </a:p>
         </p:txBody>
       </p:sp>
@@ -18595,7 +17469,6 @@
               <a:rPr lang="en-US" sz="2000" dirty="0"/>
               <a:t>-----&gt; Kitchen is finished. (2m42.37s)</a:t>
             </a:r>
-            <a:endParaRPr lang="en-US" sz="2000" dirty="0"/>
           </a:p>
         </p:txBody>
       </p:sp>
@@ -19865,7 +18738,6 @@
               <a:rPr lang="en-US" dirty="0"/>
               <a:t>10 examples, 0 failures</a:t>
             </a:r>
-            <a:endParaRPr lang="en-US" dirty="0"/>
           </a:p>
         </p:txBody>
       </p:sp>
@@ -21266,61 +20138,6 @@
 </file>
 
 <file path=customXml/item1.xml><?xml version="1.0" encoding="utf-8"?>
-<?mso-contentType ?>
-<spe:Receivers xmlns:spe="http://schemas.microsoft.com/sharepoint/events">
-  <Receiver>
-    <Name>Document ID Generator</Name>
-    <Synchronization>Synchronous</Synchronization>
-    <Type>10001</Type>
-    <SequenceNumber>1000</SequenceNumber>
-    <Assembly>Microsoft.Office.DocumentManagement, Version=14.0.0.0, Culture=neutral, PublicKeyToken=71e9bce111e9429c</Assembly>
-    <Class>Microsoft.Office.DocumentManagement.Internal.DocIdHandler</Class>
-    <Data/>
-    <Filter/>
-  </Receiver>
-  <Receiver>
-    <Name>Document ID Generator</Name>
-    <Synchronization>Synchronous</Synchronization>
-    <Type>10002</Type>
-    <SequenceNumber>1001</SequenceNumber>
-    <Assembly>Microsoft.Office.DocumentManagement, Version=14.0.0.0, Culture=neutral, PublicKeyToken=71e9bce111e9429c</Assembly>
-    <Class>Microsoft.Office.DocumentManagement.Internal.DocIdHandler</Class>
-    <Data/>
-    <Filter/>
-  </Receiver>
-  <Receiver>
-    <Name>Document ID Generator</Name>
-    <Synchronization>Synchronous</Synchronization>
-    <Type>10004</Type>
-    <SequenceNumber>1002</SequenceNumber>
-    <Assembly>Microsoft.Office.DocumentManagement, Version=14.0.0.0, Culture=neutral, PublicKeyToken=71e9bce111e9429c</Assembly>
-    <Class>Microsoft.Office.DocumentManagement.Internal.DocIdHandler</Class>
-    <Data/>
-    <Filter/>
-  </Receiver>
-  <Receiver>
-    <Name>Document ID Generator</Name>
-    <Synchronization>Synchronous</Synchronization>
-    <Type>10006</Type>
-    <SequenceNumber>1003</SequenceNumber>
-    <Assembly>Microsoft.Office.DocumentManagement, Version=14.0.0.0, Culture=neutral, PublicKeyToken=71e9bce111e9429c</Assembly>
-    <Class>Microsoft.Office.DocumentManagement.Internal.DocIdHandler</Class>
-    <Data/>
-    <Filter/>
-  </Receiver>
-</spe:Receivers>
-</file>
-
-<file path=customXml/item2.xml><?xml version="1.0" encoding="utf-8"?>
-<?mso-contentType ?>
-<FormTemplates xmlns="http://schemas.microsoft.com/sharepoint/v3/contenttype/forms">
-  <Display>DocumentLibraryForm</Display>
-  <Edit>DocumentLibraryForm</Edit>
-  <New>DocumentLibraryForm</New>
-</FormTemplates>
-</file>
-
-<file path=customXml/item3.xml><?xml version="1.0" encoding="utf-8"?>
 <p:properties xmlns:p="http://schemas.microsoft.com/office/2006/metadata/properties" xmlns:xsi="http://www.w3.org/2001/XMLSchema-instance" xmlns:pc="http://schemas.microsoft.com/office/infopath/2007/PartnerControls">
   <documentManagement>
     <_dlc_DocId xmlns="7bb5d761-a2ea-4873-95f7-7a6658fb3ef0">M4CWTKMW727E-592-73</_dlc_DocId>
@@ -21332,7 +20149,7 @@
 </p:properties>
 </file>
 
-<file path=customXml/item4.xml><?xml version="1.0" encoding="utf-8"?>
+<file path=customXml/item2.xml><?xml version="1.0" encoding="utf-8"?>
 <ct:contentTypeSchema xmlns:ct="http://schemas.microsoft.com/office/2006/metadata/contentType" xmlns:ma="http://schemas.microsoft.com/office/2006/metadata/properties/metaAttributes" ct:_="" ma:_="" ma:contentTypeName="Document" ma:contentTypeID="0x0101000812F700BE7F874999720E88173FE491" ma:contentTypeVersion="0" ma:contentTypeDescription="Create a new document." ma:contentTypeScope="" ma:versionID="3f79f408e2ca720b7aba6e0e32464d0c">
   <xsd:schema xmlns:xsd="http://www.w3.org/2001/XMLSchema" xmlns:xs="http://www.w3.org/2001/XMLSchema" xmlns:p="http://schemas.microsoft.com/office/2006/metadata/properties" xmlns:ns2="7bb5d761-a2ea-4873-95f7-7a6658fb3ef0" targetNamespace="http://schemas.microsoft.com/office/2006/metadata/properties" ma:root="true" ma:fieldsID="1e062cd38ba31e406bfc4340fbc7f87a" ns2:_="">
     <xsd:import namespace="7bb5d761-a2ea-4873-95f7-7a6658fb3ef0"/>
@@ -21477,23 +20294,62 @@
 </ct:contentTypeSchema>
 </file>
 
-<file path=customXml/itemProps1.xml><?xml version="1.0" encoding="utf-8"?>
-<ds:datastoreItem xmlns:ds="http://schemas.openxmlformats.org/officeDocument/2006/customXml" ds:itemID="{B13EBC30-FE27-4C6A-B723-23FC2188F7DC}">
-  <ds:schemaRefs>
-    <ds:schemaRef ds:uri="http://schemas.microsoft.com/sharepoint/events"/>
-  </ds:schemaRefs>
-</ds:datastoreItem>
+<file path=customXml/item3.xml><?xml version="1.0" encoding="utf-8"?>
+<?mso-contentType ?>
+<spe:Receivers xmlns:spe="http://schemas.microsoft.com/sharepoint/events">
+  <Receiver>
+    <Name>Document ID Generator</Name>
+    <Synchronization>Synchronous</Synchronization>
+    <Type>10001</Type>
+    <SequenceNumber>1000</SequenceNumber>
+    <Assembly>Microsoft.Office.DocumentManagement, Version=14.0.0.0, Culture=neutral, PublicKeyToken=71e9bce111e9429c</Assembly>
+    <Class>Microsoft.Office.DocumentManagement.Internal.DocIdHandler</Class>
+    <Data/>
+    <Filter/>
+  </Receiver>
+  <Receiver>
+    <Name>Document ID Generator</Name>
+    <Synchronization>Synchronous</Synchronization>
+    <Type>10002</Type>
+    <SequenceNumber>1001</SequenceNumber>
+    <Assembly>Microsoft.Office.DocumentManagement, Version=14.0.0.0, Culture=neutral, PublicKeyToken=71e9bce111e9429c</Assembly>
+    <Class>Microsoft.Office.DocumentManagement.Internal.DocIdHandler</Class>
+    <Data/>
+    <Filter/>
+  </Receiver>
+  <Receiver>
+    <Name>Document ID Generator</Name>
+    <Synchronization>Synchronous</Synchronization>
+    <Type>10004</Type>
+    <SequenceNumber>1002</SequenceNumber>
+    <Assembly>Microsoft.Office.DocumentManagement, Version=14.0.0.0, Culture=neutral, PublicKeyToken=71e9bce111e9429c</Assembly>
+    <Class>Microsoft.Office.DocumentManagement.Internal.DocIdHandler</Class>
+    <Data/>
+    <Filter/>
+  </Receiver>
+  <Receiver>
+    <Name>Document ID Generator</Name>
+    <Synchronization>Synchronous</Synchronization>
+    <Type>10006</Type>
+    <SequenceNumber>1003</SequenceNumber>
+    <Assembly>Microsoft.Office.DocumentManagement, Version=14.0.0.0, Culture=neutral, PublicKeyToken=71e9bce111e9429c</Assembly>
+    <Class>Microsoft.Office.DocumentManagement.Internal.DocIdHandler</Class>
+    <Data/>
+    <Filter/>
+  </Receiver>
+</spe:Receivers>
 </file>
 
-<file path=customXml/itemProps2.xml><?xml version="1.0" encoding="utf-8"?>
-<ds:datastoreItem xmlns:ds="http://schemas.openxmlformats.org/officeDocument/2006/customXml" ds:itemID="{5CDEB364-43EC-4510-9881-539C2A3FCE9E}">
-  <ds:schemaRefs>
-    <ds:schemaRef ds:uri="http://schemas.microsoft.com/sharepoint/v3/contenttype/forms"/>
-  </ds:schemaRefs>
-</ds:datastoreItem>
+<file path=customXml/item4.xml><?xml version="1.0" encoding="utf-8"?>
+<?mso-contentType ?>
+<FormTemplates xmlns="http://schemas.microsoft.com/sharepoint/v3/contenttype/forms">
+  <Display>DocumentLibraryForm</Display>
+  <Edit>DocumentLibraryForm</Edit>
+  <New>DocumentLibraryForm</New>
+</FormTemplates>
 </file>
 
-<file path=customXml/itemProps3.xml><?xml version="1.0" encoding="utf-8"?>
+<file path=customXml/itemProps1.xml><?xml version="1.0" encoding="utf-8"?>
 <ds:datastoreItem xmlns:ds="http://schemas.openxmlformats.org/officeDocument/2006/customXml" ds:itemID="{6921749B-AEB7-461B-845F-603CABD25259}">
   <ds:schemaRefs>
     <ds:schemaRef ds:uri="7bb5d761-a2ea-4873-95f7-7a6658fb3ef0"/>
@@ -21509,7 +20365,7 @@
 </ds:datastoreItem>
 </file>
 
-<file path=customXml/itemProps4.xml><?xml version="1.0" encoding="utf-8"?>
+<file path=customXml/itemProps2.xml><?xml version="1.0" encoding="utf-8"?>
 <ds:datastoreItem xmlns:ds="http://schemas.openxmlformats.org/officeDocument/2006/customXml" ds:itemID="{164479E5-0B02-49AC-B79E-EC1D6164DDD3}">
   <ds:schemaRefs>
     <ds:schemaRef ds:uri="http://schemas.microsoft.com/office/2006/metadata/contentType"/>
@@ -21525,4 +20381,20 @@
     <ds:schemaRef ds:uri="http://schemas.microsoft.com/internal/obd"/>
   </ds:schemaRefs>
 </ds:datastoreItem>
+</file>
+
+<file path=customXml/itemProps3.xml><?xml version="1.0" encoding="utf-8"?>
+<ds:datastoreItem xmlns:ds="http://schemas.openxmlformats.org/officeDocument/2006/customXml" ds:itemID="{B13EBC30-FE27-4C6A-B723-23FC2188F7DC}">
+  <ds:schemaRefs>
+    <ds:schemaRef ds:uri="http://schemas.microsoft.com/sharepoint/events"/>
+  </ds:schemaRefs>
+</ds:datastoreItem>
+</file>
+
+<file path=customXml/itemProps4.xml><?xml version="1.0" encoding="utf-8"?>
+<ds:datastoreItem xmlns:ds="http://schemas.openxmlformats.org/officeDocument/2006/customXml" ds:itemID="{5CDEB364-43EC-4510-9881-539C2A3FCE9E}">
+  <ds:schemaRefs>
+    <ds:schemaRef ds:uri="http://schemas.microsoft.com/sharepoint/v3/contenttype/forms"/>
+  </ds:schemaRefs>
+</ds:datastoreItem>
 </file>